--- a/Semana 13/PresentacionMartes.pptx
+++ b/Semana 13/PresentacionMartes.pptx
@@ -5,15 +5,22 @@
     <p:sldMasterId id="2147483672" r:id="rId1"/>
   </p:sldMasterIdLst>
   <p:notesMasterIdLst>
-    <p:notesMasterId r:id="rId8"/>
+    <p:notesMasterId r:id="rId15"/>
   </p:notesMasterIdLst>
   <p:sldIdLst>
     <p:sldId id="262" r:id="rId2"/>
-    <p:sldId id="290" r:id="rId3"/>
-    <p:sldId id="291" r:id="rId4"/>
-    <p:sldId id="292" r:id="rId5"/>
-    <p:sldId id="293" r:id="rId6"/>
-    <p:sldId id="294" r:id="rId7"/>
+    <p:sldId id="295" r:id="rId3"/>
+    <p:sldId id="297" r:id="rId4"/>
+    <p:sldId id="298" r:id="rId5"/>
+    <p:sldId id="299" r:id="rId6"/>
+    <p:sldId id="300" r:id="rId7"/>
+    <p:sldId id="290" r:id="rId8"/>
+    <p:sldId id="291" r:id="rId9"/>
+    <p:sldId id="292" r:id="rId10"/>
+    <p:sldId id="293" r:id="rId11"/>
+    <p:sldId id="294" r:id="rId12"/>
+    <p:sldId id="301" r:id="rId13"/>
+    <p:sldId id="302" r:id="rId14"/>
   </p:sldIdLst>
   <p:sldSz cx="12192000" cy="6858000"/>
   <p:notesSz cx="6858000" cy="9144000"/>
@@ -4216,7 +4223,3451 @@
 </p:sld>
 </file>
 
+<file path=ppt/slides/slide10.xml><?xml version="1.0" encoding="utf-8"?>
+<p:sld xmlns:a="http://schemas.openxmlformats.org/drawingml/2006/main" xmlns:r="http://schemas.openxmlformats.org/officeDocument/2006/relationships" xmlns:p="http://schemas.openxmlformats.org/presentationml/2006/main">
+  <p:cSld>
+    <p:spTree>
+      <p:nvGrpSpPr>
+        <p:cNvPr id="1" name=""/>
+        <p:cNvGrpSpPr/>
+        <p:nvPr/>
+      </p:nvGrpSpPr>
+      <p:grpSpPr>
+        <a:xfrm>
+          <a:off x="0" y="0"/>
+          <a:ext cx="0" cy="0"/>
+          <a:chOff x="0" y="0"/>
+          <a:chExt cx="0" cy="0"/>
+        </a:xfrm>
+      </p:grpSpPr>
+      <p:sp>
+        <p:nvSpPr>
+          <p:cNvPr id="2" name="Title 1">
+            <a:extLst>
+              <a:ext uri="{FF2B5EF4-FFF2-40B4-BE49-F238E27FC236}">
+                <a16:creationId xmlns:a16="http://schemas.microsoft.com/office/drawing/2014/main" id="{1EA2258F-3C5A-7D4E-92A9-6DA5C7A0DD22}"/>
+              </a:ext>
+            </a:extLst>
+          </p:cNvPr>
+          <p:cNvSpPr>
+            <a:spLocks noGrp="1"/>
+          </p:cNvSpPr>
+          <p:nvPr>
+            <p:ph type="title"/>
+          </p:nvPr>
+        </p:nvSpPr>
+        <p:spPr/>
+        <p:txBody>
+          <a:bodyPr/>
+          <a:lstStyle/>
+          <a:p>
+            <a:r>
+              <a:rPr lang="en-US" dirty="0"/>
+              <a:t>FIREBASE</a:t>
+            </a:r>
+          </a:p>
+        </p:txBody>
+      </p:sp>
+      <p:sp>
+        <p:nvSpPr>
+          <p:cNvPr id="3" name="Content Placeholder 2">
+            <a:extLst>
+              <a:ext uri="{FF2B5EF4-FFF2-40B4-BE49-F238E27FC236}">
+                <a16:creationId xmlns:a16="http://schemas.microsoft.com/office/drawing/2014/main" id="{03D4B33A-65FF-3645-9C50-5CE25A33814B}"/>
+              </a:ext>
+            </a:extLst>
+          </p:cNvPr>
+          <p:cNvSpPr>
+            <a:spLocks noGrp="1"/>
+          </p:cNvSpPr>
+          <p:nvPr>
+            <p:ph idx="1"/>
+          </p:nvPr>
+        </p:nvSpPr>
+        <p:spPr>
+          <a:xfrm>
+            <a:off x="1097280" y="1845734"/>
+            <a:ext cx="3421711" cy="4023360"/>
+          </a:xfrm>
+        </p:spPr>
+        <p:txBody>
+          <a:bodyPr/>
+          <a:lstStyle/>
+          <a:p>
+            <a:r>
+              <a:rPr lang="en-US" dirty="0" err="1"/>
+              <a:t>Otro</a:t>
+            </a:r>
+            <a:r>
+              <a:rPr lang="en-US" dirty="0"/>
+              <a:t> </a:t>
+            </a:r>
+            <a:r>
+              <a:rPr lang="en-US" dirty="0" err="1"/>
+              <a:t>tipo</a:t>
+            </a:r>
+            <a:r>
+              <a:rPr lang="en-US" dirty="0"/>
+              <a:t> de </a:t>
+            </a:r>
+            <a:r>
+              <a:rPr lang="en-US" dirty="0" err="1"/>
+              <a:t>organización</a:t>
+            </a:r>
+            <a:r>
+              <a:rPr lang="en-US" dirty="0"/>
+              <a:t> </a:t>
+            </a:r>
+            <a:r>
+              <a:rPr lang="en-US" dirty="0" err="1"/>
+              <a:t>es</a:t>
+            </a:r>
+            <a:r>
+              <a:rPr lang="en-US" dirty="0"/>
+              <a:t> </a:t>
+            </a:r>
+            <a:r>
+              <a:rPr lang="en-US" dirty="0" err="1"/>
+              <a:t>hacerlo</a:t>
+            </a:r>
+            <a:r>
+              <a:rPr lang="en-US" dirty="0"/>
+              <a:t> </a:t>
+            </a:r>
+            <a:r>
+              <a:rPr lang="en-US" dirty="0" err="1"/>
+              <a:t>por</a:t>
+            </a:r>
+            <a:r>
+              <a:rPr lang="en-US" dirty="0"/>
+              <a:t> </a:t>
+            </a:r>
+            <a:r>
+              <a:rPr lang="en-US" dirty="0" err="1"/>
+              <a:t>referencias</a:t>
+            </a:r>
+            <a:r>
+              <a:rPr lang="en-US" dirty="0"/>
+              <a:t>.</a:t>
+            </a:r>
+          </a:p>
+          <a:p>
+            <a:endParaRPr lang="en-US" dirty="0"/>
+          </a:p>
+          <a:p>
+            <a:r>
+              <a:rPr lang="en-US" dirty="0"/>
+              <a:t>Se </a:t>
+            </a:r>
+            <a:r>
+              <a:rPr lang="en-US" dirty="0" err="1"/>
+              <a:t>evita</a:t>
+            </a:r>
+            <a:r>
+              <a:rPr lang="en-US" dirty="0"/>
+              <a:t> </a:t>
+            </a:r>
+            <a:r>
+              <a:rPr lang="en-US" dirty="0" err="1"/>
+              <a:t>poner</a:t>
+            </a:r>
+            <a:r>
+              <a:rPr lang="en-US" dirty="0"/>
+              <a:t> </a:t>
+            </a:r>
+            <a:r>
+              <a:rPr lang="en-US" dirty="0" err="1"/>
+              <a:t>objetos</a:t>
+            </a:r>
+            <a:r>
+              <a:rPr lang="en-US" dirty="0"/>
+              <a:t> </a:t>
+            </a:r>
+            <a:r>
+              <a:rPr lang="en-US" dirty="0" err="1"/>
+              <a:t>dentro</a:t>
+            </a:r>
+            <a:r>
+              <a:rPr lang="en-US" dirty="0"/>
+              <a:t> de </a:t>
+            </a:r>
+            <a:r>
+              <a:rPr lang="en-US" dirty="0" err="1"/>
+              <a:t>otros</a:t>
+            </a:r>
+            <a:r>
+              <a:rPr lang="en-US" dirty="0"/>
+              <a:t>.</a:t>
+            </a:r>
+          </a:p>
+          <a:p>
+            <a:endParaRPr lang="en-US" dirty="0"/>
+          </a:p>
+          <a:p>
+            <a:r>
+              <a:rPr lang="en-US" dirty="0" err="1"/>
+              <a:t>En</a:t>
+            </a:r>
+            <a:r>
+              <a:rPr lang="en-US" dirty="0"/>
+              <a:t> </a:t>
+            </a:r>
+            <a:r>
+              <a:rPr lang="en-US" dirty="0" err="1"/>
+              <a:t>lugar</a:t>
+            </a:r>
+            <a:r>
+              <a:rPr lang="en-US" dirty="0"/>
+              <a:t> de </a:t>
+            </a:r>
+            <a:r>
+              <a:rPr lang="en-US" dirty="0" err="1"/>
+              <a:t>eso</a:t>
+            </a:r>
+            <a:r>
+              <a:rPr lang="en-US" dirty="0"/>
+              <a:t>, se </a:t>
+            </a:r>
+            <a:r>
+              <a:rPr lang="en-US" dirty="0" err="1"/>
+              <a:t>usan</a:t>
+            </a:r>
+            <a:r>
+              <a:rPr lang="en-US" dirty="0"/>
+              <a:t> </a:t>
+            </a:r>
+            <a:r>
+              <a:rPr lang="en-US" dirty="0" err="1"/>
+              <a:t>referencias</a:t>
+            </a:r>
+            <a:r>
+              <a:rPr lang="en-US" dirty="0"/>
+              <a:t> de </a:t>
+            </a:r>
+            <a:r>
+              <a:rPr lang="en-US" dirty="0" err="1"/>
+              <a:t>los</a:t>
+            </a:r>
+            <a:r>
+              <a:rPr lang="en-US" dirty="0"/>
+              <a:t> </a:t>
+            </a:r>
+            <a:r>
+              <a:rPr lang="en-US" dirty="0" err="1"/>
+              <a:t>objetos</a:t>
+            </a:r>
+            <a:r>
+              <a:rPr lang="en-US" dirty="0"/>
+              <a:t>.</a:t>
+            </a:r>
+          </a:p>
+          <a:p>
+            <a:endParaRPr lang="en-US" dirty="0"/>
+          </a:p>
+        </p:txBody>
+      </p:sp>
+      <p:pic>
+        <p:nvPicPr>
+          <p:cNvPr id="5" name="Imagen 7">
+            <a:extLst>
+              <a:ext uri="{FF2B5EF4-FFF2-40B4-BE49-F238E27FC236}">
+                <a16:creationId xmlns:a16="http://schemas.microsoft.com/office/drawing/2014/main" id="{84853D31-897D-244A-92AA-855E8E265BA6}"/>
+              </a:ext>
+            </a:extLst>
+          </p:cNvPr>
+          <p:cNvPicPr>
+            <a:picLocks noChangeAspect="1"/>
+          </p:cNvPicPr>
+          <p:nvPr/>
+        </p:nvPicPr>
+        <p:blipFill rotWithShape="1">
+          <a:blip r:embed="rId2"/>
+          <a:srcRect l="28333" t="24074" r="14583" b="16667"/>
+          <a:stretch/>
+        </p:blipFill>
+        <p:spPr>
+          <a:xfrm>
+            <a:off x="4930472" y="2088045"/>
+            <a:ext cx="6225208" cy="3635158"/>
+          </a:xfrm>
+          <a:prstGeom prst="rect">
+            <a:avLst/>
+          </a:prstGeom>
+        </p:spPr>
+      </p:pic>
+    </p:spTree>
+    <p:extLst>
+      <p:ext uri="{BB962C8B-B14F-4D97-AF65-F5344CB8AC3E}">
+        <p14:creationId xmlns:p14="http://schemas.microsoft.com/office/powerpoint/2010/main" val="144667595"/>
+      </p:ext>
+    </p:extLst>
+  </p:cSld>
+  <p:clrMapOvr>
+    <a:masterClrMapping/>
+  </p:clrMapOvr>
+</p:sld>
+</file>
+
+<file path=ppt/slides/slide11.xml><?xml version="1.0" encoding="utf-8"?>
+<p:sld xmlns:a="http://schemas.openxmlformats.org/drawingml/2006/main" xmlns:r="http://schemas.openxmlformats.org/officeDocument/2006/relationships" xmlns:p="http://schemas.openxmlformats.org/presentationml/2006/main">
+  <p:cSld>
+    <p:spTree>
+      <p:nvGrpSpPr>
+        <p:cNvPr id="1" name=""/>
+        <p:cNvGrpSpPr/>
+        <p:nvPr/>
+      </p:nvGrpSpPr>
+      <p:grpSpPr>
+        <a:xfrm>
+          <a:off x="0" y="0"/>
+          <a:ext cx="0" cy="0"/>
+          <a:chOff x="0" y="0"/>
+          <a:chExt cx="0" cy="0"/>
+        </a:xfrm>
+      </p:grpSpPr>
+      <p:sp>
+        <p:nvSpPr>
+          <p:cNvPr id="2" name="Title 1">
+            <a:extLst>
+              <a:ext uri="{FF2B5EF4-FFF2-40B4-BE49-F238E27FC236}">
+                <a16:creationId xmlns:a16="http://schemas.microsoft.com/office/drawing/2014/main" id="{1EA2258F-3C5A-7D4E-92A9-6DA5C7A0DD22}"/>
+              </a:ext>
+            </a:extLst>
+          </p:cNvPr>
+          <p:cNvSpPr>
+            <a:spLocks noGrp="1"/>
+          </p:cNvSpPr>
+          <p:nvPr>
+            <p:ph type="title"/>
+          </p:nvPr>
+        </p:nvSpPr>
+        <p:spPr/>
+        <p:txBody>
+          <a:bodyPr/>
+          <a:lstStyle/>
+          <a:p>
+            <a:r>
+              <a:rPr lang="en-US" dirty="0"/>
+              <a:t>FIREBASE</a:t>
+            </a:r>
+          </a:p>
+        </p:txBody>
+      </p:sp>
+      <p:sp>
+        <p:nvSpPr>
+          <p:cNvPr id="3" name="Content Placeholder 2">
+            <a:extLst>
+              <a:ext uri="{FF2B5EF4-FFF2-40B4-BE49-F238E27FC236}">
+                <a16:creationId xmlns:a16="http://schemas.microsoft.com/office/drawing/2014/main" id="{03D4B33A-65FF-3645-9C50-5CE25A33814B}"/>
+              </a:ext>
+            </a:extLst>
+          </p:cNvPr>
+          <p:cNvSpPr>
+            <a:spLocks noGrp="1"/>
+          </p:cNvSpPr>
+          <p:nvPr>
+            <p:ph idx="1"/>
+          </p:nvPr>
+        </p:nvSpPr>
+        <p:spPr>
+          <a:xfrm>
+            <a:off x="1097280" y="1845734"/>
+            <a:ext cx="3421711" cy="4023360"/>
+          </a:xfrm>
+        </p:spPr>
+        <p:txBody>
+          <a:bodyPr/>
+          <a:lstStyle/>
+          <a:p>
+            <a:r>
+              <a:rPr lang="en-US" dirty="0" err="1"/>
+              <a:t>Otro</a:t>
+            </a:r>
+            <a:r>
+              <a:rPr lang="en-US" dirty="0"/>
+              <a:t> </a:t>
+            </a:r>
+            <a:r>
+              <a:rPr lang="en-US" dirty="0" err="1"/>
+              <a:t>tipo</a:t>
+            </a:r>
+            <a:r>
+              <a:rPr lang="en-US" dirty="0"/>
+              <a:t> de </a:t>
+            </a:r>
+            <a:r>
+              <a:rPr lang="en-US" dirty="0" err="1"/>
+              <a:t>organización</a:t>
+            </a:r>
+            <a:r>
+              <a:rPr lang="en-US" dirty="0"/>
+              <a:t> </a:t>
+            </a:r>
+            <a:r>
+              <a:rPr lang="en-US" dirty="0" err="1"/>
+              <a:t>es</a:t>
+            </a:r>
+            <a:r>
+              <a:rPr lang="en-US" dirty="0"/>
+              <a:t> </a:t>
+            </a:r>
+            <a:r>
+              <a:rPr lang="en-US" dirty="0" err="1"/>
+              <a:t>hacerlo</a:t>
+            </a:r>
+            <a:r>
+              <a:rPr lang="en-US" dirty="0"/>
+              <a:t> </a:t>
+            </a:r>
+            <a:r>
+              <a:rPr lang="en-US" dirty="0" err="1"/>
+              <a:t>por</a:t>
+            </a:r>
+            <a:r>
+              <a:rPr lang="en-US" dirty="0"/>
+              <a:t> </a:t>
+            </a:r>
+            <a:r>
+              <a:rPr lang="en-US" dirty="0" err="1"/>
+              <a:t>referencias</a:t>
+            </a:r>
+            <a:r>
+              <a:rPr lang="en-US" dirty="0"/>
+              <a:t>.</a:t>
+            </a:r>
+          </a:p>
+          <a:p>
+            <a:endParaRPr lang="en-US" dirty="0"/>
+          </a:p>
+          <a:p>
+            <a:r>
+              <a:rPr lang="en-US" dirty="0"/>
+              <a:t>Se </a:t>
+            </a:r>
+            <a:r>
+              <a:rPr lang="en-US" dirty="0" err="1"/>
+              <a:t>evita</a:t>
+            </a:r>
+            <a:r>
+              <a:rPr lang="en-US" dirty="0"/>
+              <a:t> </a:t>
+            </a:r>
+            <a:r>
+              <a:rPr lang="en-US" dirty="0" err="1"/>
+              <a:t>poner</a:t>
+            </a:r>
+            <a:r>
+              <a:rPr lang="en-US" dirty="0"/>
+              <a:t> </a:t>
+            </a:r>
+            <a:r>
+              <a:rPr lang="en-US" dirty="0" err="1"/>
+              <a:t>objetos</a:t>
+            </a:r>
+            <a:r>
+              <a:rPr lang="en-US" dirty="0"/>
+              <a:t> </a:t>
+            </a:r>
+            <a:r>
+              <a:rPr lang="en-US" dirty="0" err="1"/>
+              <a:t>dentro</a:t>
+            </a:r>
+            <a:r>
+              <a:rPr lang="en-US" dirty="0"/>
+              <a:t> de </a:t>
+            </a:r>
+            <a:r>
+              <a:rPr lang="en-US" dirty="0" err="1"/>
+              <a:t>otros</a:t>
+            </a:r>
+            <a:r>
+              <a:rPr lang="en-US" dirty="0"/>
+              <a:t>.</a:t>
+            </a:r>
+          </a:p>
+          <a:p>
+            <a:endParaRPr lang="en-US" dirty="0"/>
+          </a:p>
+          <a:p>
+            <a:r>
+              <a:rPr lang="en-US" dirty="0" err="1"/>
+              <a:t>En</a:t>
+            </a:r>
+            <a:r>
+              <a:rPr lang="en-US" dirty="0"/>
+              <a:t> </a:t>
+            </a:r>
+            <a:r>
+              <a:rPr lang="en-US" dirty="0" err="1"/>
+              <a:t>lugar</a:t>
+            </a:r>
+            <a:r>
+              <a:rPr lang="en-US" dirty="0"/>
+              <a:t> de </a:t>
+            </a:r>
+            <a:r>
+              <a:rPr lang="en-US" dirty="0" err="1"/>
+              <a:t>eso</a:t>
+            </a:r>
+            <a:r>
+              <a:rPr lang="en-US" dirty="0"/>
+              <a:t>, se </a:t>
+            </a:r>
+            <a:r>
+              <a:rPr lang="en-US" dirty="0" err="1"/>
+              <a:t>usan</a:t>
+            </a:r>
+            <a:r>
+              <a:rPr lang="en-US" dirty="0"/>
+              <a:t> </a:t>
+            </a:r>
+            <a:r>
+              <a:rPr lang="en-US" dirty="0" err="1"/>
+              <a:t>referencias</a:t>
+            </a:r>
+            <a:r>
+              <a:rPr lang="en-US" dirty="0"/>
+              <a:t> de </a:t>
+            </a:r>
+            <a:r>
+              <a:rPr lang="en-US" dirty="0" err="1"/>
+              <a:t>los</a:t>
+            </a:r>
+            <a:r>
+              <a:rPr lang="en-US" dirty="0"/>
+              <a:t> </a:t>
+            </a:r>
+            <a:r>
+              <a:rPr lang="en-US" dirty="0" err="1"/>
+              <a:t>objetos</a:t>
+            </a:r>
+            <a:r>
+              <a:rPr lang="en-US" dirty="0"/>
+              <a:t>.</a:t>
+            </a:r>
+          </a:p>
+          <a:p>
+            <a:endParaRPr lang="en-US" dirty="0"/>
+          </a:p>
+          <a:p>
+            <a:endParaRPr lang="en-US" dirty="0"/>
+          </a:p>
+        </p:txBody>
+      </p:sp>
+      <p:pic>
+        <p:nvPicPr>
+          <p:cNvPr id="4" name="Picture 3">
+            <a:extLst>
+              <a:ext uri="{FF2B5EF4-FFF2-40B4-BE49-F238E27FC236}">
+                <a16:creationId xmlns:a16="http://schemas.microsoft.com/office/drawing/2014/main" id="{9FFBB33A-2962-9E4D-A96C-E1A994BD1C44}"/>
+              </a:ext>
+            </a:extLst>
+          </p:cNvPr>
+          <p:cNvPicPr>
+            <a:picLocks noChangeAspect="1"/>
+          </p:cNvPicPr>
+          <p:nvPr/>
+        </p:nvPicPr>
+        <p:blipFill>
+          <a:blip r:embed="rId2"/>
+          <a:stretch>
+            <a:fillRect/>
+          </a:stretch>
+        </p:blipFill>
+        <p:spPr>
+          <a:xfrm>
+            <a:off x="0" y="0"/>
+            <a:ext cx="12192000" cy="6858000"/>
+          </a:xfrm>
+          <a:prstGeom prst="rect">
+            <a:avLst/>
+          </a:prstGeom>
+        </p:spPr>
+      </p:pic>
+      <p:pic>
+        <p:nvPicPr>
+          <p:cNvPr id="7" name="Picture 6">
+            <a:extLst>
+              <a:ext uri="{FF2B5EF4-FFF2-40B4-BE49-F238E27FC236}">
+                <a16:creationId xmlns:a16="http://schemas.microsoft.com/office/drawing/2014/main" id="{0ECCAE00-9AD3-934C-8F76-8E4890CDF6A5}"/>
+              </a:ext>
+            </a:extLst>
+          </p:cNvPr>
+          <p:cNvPicPr>
+            <a:picLocks noChangeAspect="1"/>
+          </p:cNvPicPr>
+          <p:nvPr/>
+        </p:nvPicPr>
+        <p:blipFill>
+          <a:blip r:embed="rId3">
+            <a:extLst>
+              <a:ext uri="{28A0092B-C50C-407E-A947-70E740481C1C}">
+                <a14:useLocalDpi xmlns:a14="http://schemas.microsoft.com/office/drawing/2010/main" val="0"/>
+              </a:ext>
+            </a:extLst>
+          </a:blip>
+          <a:stretch>
+            <a:fillRect/>
+          </a:stretch>
+        </p:blipFill>
+        <p:spPr>
+          <a:xfrm>
+            <a:off x="6800321" y="159025"/>
+            <a:ext cx="4900520" cy="6116707"/>
+          </a:xfrm>
+          <a:prstGeom prst="rect">
+            <a:avLst/>
+          </a:prstGeom>
+        </p:spPr>
+      </p:pic>
+    </p:spTree>
+    <p:extLst>
+      <p:ext uri="{BB962C8B-B14F-4D97-AF65-F5344CB8AC3E}">
+        <p14:creationId xmlns:p14="http://schemas.microsoft.com/office/powerpoint/2010/main" val="1177739947"/>
+      </p:ext>
+    </p:extLst>
+  </p:cSld>
+  <p:clrMapOvr>
+    <a:masterClrMapping/>
+  </p:clrMapOvr>
+</p:sld>
+</file>
+
+<file path=ppt/slides/slide12.xml><?xml version="1.0" encoding="utf-8"?>
+<p:sld xmlns:a="http://schemas.openxmlformats.org/drawingml/2006/main" xmlns:r="http://schemas.openxmlformats.org/officeDocument/2006/relationships" xmlns:p="http://schemas.openxmlformats.org/presentationml/2006/main">
+  <p:cSld>
+    <p:spTree>
+      <p:nvGrpSpPr>
+        <p:cNvPr id="1" name=""/>
+        <p:cNvGrpSpPr/>
+        <p:nvPr/>
+      </p:nvGrpSpPr>
+      <p:grpSpPr>
+        <a:xfrm>
+          <a:off x="0" y="0"/>
+          <a:ext cx="0" cy="0"/>
+          <a:chOff x="0" y="0"/>
+          <a:chExt cx="0" cy="0"/>
+        </a:xfrm>
+      </p:grpSpPr>
+      <p:sp>
+        <p:nvSpPr>
+          <p:cNvPr id="2" name="Title 1">
+            <a:extLst>
+              <a:ext uri="{FF2B5EF4-FFF2-40B4-BE49-F238E27FC236}">
+                <a16:creationId xmlns:a16="http://schemas.microsoft.com/office/drawing/2014/main" id="{A0A51665-0DD6-B04B-B399-9842832D9FE1}"/>
+              </a:ext>
+            </a:extLst>
+          </p:cNvPr>
+          <p:cNvSpPr>
+            <a:spLocks noGrp="1"/>
+          </p:cNvSpPr>
+          <p:nvPr>
+            <p:ph type="title"/>
+          </p:nvPr>
+        </p:nvSpPr>
+        <p:spPr/>
+        <p:txBody>
+          <a:bodyPr/>
+          <a:lstStyle/>
+          <a:p>
+            <a:r>
+              <a:rPr lang="en-US" dirty="0"/>
+              <a:t>FIREBASE</a:t>
+            </a:r>
+          </a:p>
+        </p:txBody>
+      </p:sp>
+      <p:pic>
+        <p:nvPicPr>
+          <p:cNvPr id="4" name="Content Placeholder 3">
+            <a:extLst>
+              <a:ext uri="{FF2B5EF4-FFF2-40B4-BE49-F238E27FC236}">
+                <a16:creationId xmlns:a16="http://schemas.microsoft.com/office/drawing/2014/main" id="{BCE15C19-8B7A-2D46-83D0-F25CA4B7EFF9}"/>
+              </a:ext>
+            </a:extLst>
+          </p:cNvPr>
+          <p:cNvPicPr>
+            <a:picLocks noGrp="1" noChangeAspect="1"/>
+          </p:cNvPicPr>
+          <p:nvPr>
+            <p:ph idx="1"/>
+          </p:nvPr>
+        </p:nvPicPr>
+        <p:blipFill>
+          <a:blip r:embed="rId2">
+            <a:extLst>
+              <a:ext uri="{28A0092B-C50C-407E-A947-70E740481C1C}">
+                <a14:useLocalDpi xmlns:a14="http://schemas.microsoft.com/office/drawing/2010/main" val="0"/>
+              </a:ext>
+            </a:extLst>
+          </a:blip>
+          <a:stretch>
+            <a:fillRect/>
+          </a:stretch>
+        </p:blipFill>
+        <p:spPr>
+          <a:xfrm>
+            <a:off x="7207339" y="2018542"/>
+            <a:ext cx="4516743" cy="4022725"/>
+          </a:xfrm>
+          <a:prstGeom prst="rect">
+            <a:avLst/>
+          </a:prstGeom>
+        </p:spPr>
+      </p:pic>
+      <p:sp>
+        <p:nvSpPr>
+          <p:cNvPr id="5" name="Rectangle 4">
+            <a:extLst>
+              <a:ext uri="{FF2B5EF4-FFF2-40B4-BE49-F238E27FC236}">
+                <a16:creationId xmlns:a16="http://schemas.microsoft.com/office/drawing/2014/main" id="{4C42202D-C850-5A47-8EB6-7491D8A5F156}"/>
+              </a:ext>
+            </a:extLst>
+          </p:cNvPr>
+          <p:cNvSpPr/>
+          <p:nvPr/>
+        </p:nvSpPr>
+        <p:spPr>
+          <a:xfrm>
+            <a:off x="1510748" y="4133880"/>
+            <a:ext cx="1932167" cy="1932167"/>
+          </a:xfrm>
+          <a:prstGeom prst="rect">
+            <a:avLst/>
+          </a:prstGeom>
+          <a:solidFill>
+            <a:srgbClr val="F3F3F2"/>
+          </a:solidFill>
+          <a:ln>
+            <a:solidFill>
+              <a:schemeClr val="tx1"/>
+            </a:solidFill>
+          </a:ln>
+        </p:spPr>
+        <p:style>
+          <a:lnRef idx="2">
+            <a:schemeClr val="accent1">
+              <a:shade val="50000"/>
+            </a:schemeClr>
+          </a:lnRef>
+          <a:fillRef idx="1">
+            <a:schemeClr val="accent1"/>
+          </a:fillRef>
+          <a:effectRef idx="0">
+            <a:schemeClr val="accent1"/>
+          </a:effectRef>
+          <a:fontRef idx="minor">
+            <a:schemeClr val="lt1"/>
+          </a:fontRef>
+        </p:style>
+        <p:txBody>
+          <a:bodyPr rtlCol="0" anchor="ctr"/>
+          <a:lstStyle/>
+          <a:p>
+            <a:pPr algn="ctr"/>
+            <a:r>
+              <a:rPr lang="en-US" dirty="0" err="1">
+                <a:solidFill>
+                  <a:schemeClr val="tx1"/>
+                </a:solidFill>
+              </a:rPr>
+              <a:t>Referencia</a:t>
+            </a:r>
+            <a:endParaRPr lang="en-US" dirty="0">
+              <a:solidFill>
+                <a:schemeClr val="tx1"/>
+              </a:solidFill>
+            </a:endParaRPr>
+          </a:p>
+        </p:txBody>
+      </p:sp>
+      <p:sp>
+        <p:nvSpPr>
+          <p:cNvPr id="6" name="Rectangle 5">
+            <a:extLst>
+              <a:ext uri="{FF2B5EF4-FFF2-40B4-BE49-F238E27FC236}">
+                <a16:creationId xmlns:a16="http://schemas.microsoft.com/office/drawing/2014/main" id="{78C94242-6728-8B4E-8166-77885E08465D}"/>
+              </a:ext>
+            </a:extLst>
+          </p:cNvPr>
+          <p:cNvSpPr/>
+          <p:nvPr/>
+        </p:nvSpPr>
+        <p:spPr>
+          <a:xfrm>
+            <a:off x="3916018" y="4133879"/>
+            <a:ext cx="1932167" cy="1932167"/>
+          </a:xfrm>
+          <a:prstGeom prst="rect">
+            <a:avLst/>
+          </a:prstGeom>
+          <a:solidFill>
+            <a:srgbClr val="F3F3F2"/>
+          </a:solidFill>
+          <a:ln>
+            <a:solidFill>
+              <a:schemeClr val="tx1"/>
+            </a:solidFill>
+          </a:ln>
+        </p:spPr>
+        <p:style>
+          <a:lnRef idx="2">
+            <a:schemeClr val="accent1">
+              <a:shade val="50000"/>
+            </a:schemeClr>
+          </a:lnRef>
+          <a:fillRef idx="1">
+            <a:schemeClr val="accent1"/>
+          </a:fillRef>
+          <a:effectRef idx="0">
+            <a:schemeClr val="accent1"/>
+          </a:effectRef>
+          <a:fontRef idx="minor">
+            <a:schemeClr val="lt1"/>
+          </a:fontRef>
+        </p:style>
+        <p:txBody>
+          <a:bodyPr rtlCol="0" anchor="ctr"/>
+          <a:lstStyle/>
+          <a:p>
+            <a:pPr algn="ctr"/>
+            <a:r>
+              <a:rPr lang="en-US" dirty="0" err="1">
+                <a:solidFill>
+                  <a:schemeClr val="tx1"/>
+                </a:solidFill>
+              </a:rPr>
+              <a:t>Composición</a:t>
+            </a:r>
+            <a:endParaRPr lang="en-US" dirty="0">
+              <a:solidFill>
+                <a:schemeClr val="tx1"/>
+              </a:solidFill>
+            </a:endParaRPr>
+          </a:p>
+        </p:txBody>
+      </p:sp>
+      <p:sp>
+        <p:nvSpPr>
+          <p:cNvPr id="7" name="TextBox 6">
+            <a:extLst>
+              <a:ext uri="{FF2B5EF4-FFF2-40B4-BE49-F238E27FC236}">
+                <a16:creationId xmlns:a16="http://schemas.microsoft.com/office/drawing/2014/main" id="{F57F8CCC-54B5-FC41-886D-EF8C12B460EB}"/>
+              </a:ext>
+            </a:extLst>
+          </p:cNvPr>
+          <p:cNvSpPr txBox="1"/>
+          <p:nvPr/>
+        </p:nvSpPr>
+        <p:spPr>
+          <a:xfrm>
+            <a:off x="1510748" y="2018542"/>
+            <a:ext cx="4306956" cy="923330"/>
+          </a:xfrm>
+          <a:prstGeom prst="rect">
+            <a:avLst/>
+          </a:prstGeom>
+          <a:noFill/>
+        </p:spPr>
+        <p:txBody>
+          <a:bodyPr wrap="square" rtlCol="0">
+            <a:spAutoFit/>
+          </a:bodyPr>
+          <a:lstStyle/>
+          <a:p>
+            <a:r>
+              <a:rPr lang="en-US" dirty="0"/>
+              <a:t>Que </a:t>
+            </a:r>
+            <a:r>
+              <a:rPr lang="en-US" dirty="0" err="1"/>
+              <a:t>tipo</a:t>
+            </a:r>
+            <a:r>
+              <a:rPr lang="en-US" dirty="0"/>
+              <a:t> de </a:t>
+            </a:r>
+            <a:r>
+              <a:rPr lang="en-US" dirty="0" err="1"/>
+              <a:t>orden</a:t>
+            </a:r>
+            <a:r>
+              <a:rPr lang="en-US" dirty="0"/>
+              <a:t> </a:t>
+            </a:r>
+            <a:r>
+              <a:rPr lang="en-US" dirty="0" err="1"/>
+              <a:t>tiene</a:t>
+            </a:r>
+            <a:r>
+              <a:rPr lang="en-US" dirty="0"/>
+              <a:t> la base de </a:t>
+            </a:r>
+            <a:r>
+              <a:rPr lang="en-US" dirty="0" err="1"/>
+              <a:t>datos</a:t>
+            </a:r>
+            <a:r>
+              <a:rPr lang="en-US" dirty="0"/>
+              <a:t> de un chat que </a:t>
+            </a:r>
+            <a:r>
+              <a:rPr lang="en-US" dirty="0" err="1"/>
+              <a:t>tiene</a:t>
+            </a:r>
+            <a:r>
+              <a:rPr lang="en-US" dirty="0"/>
+              <a:t> un canal </a:t>
+            </a:r>
+            <a:r>
+              <a:rPr lang="en-US" dirty="0" err="1"/>
+              <a:t>llamada</a:t>
+            </a:r>
+            <a:r>
+              <a:rPr lang="en-US" dirty="0"/>
+              <a:t> alfa, que </a:t>
+            </a:r>
+            <a:r>
+              <a:rPr lang="en-US" dirty="0" err="1"/>
+              <a:t>almacena</a:t>
+            </a:r>
+            <a:r>
+              <a:rPr lang="en-US" dirty="0"/>
+              <a:t> </a:t>
+            </a:r>
+            <a:r>
+              <a:rPr lang="en-US" dirty="0" err="1"/>
+              <a:t>mensajes</a:t>
+            </a:r>
+            <a:r>
+              <a:rPr lang="en-US" dirty="0"/>
+              <a:t>?</a:t>
+            </a:r>
+          </a:p>
+        </p:txBody>
+      </p:sp>
+    </p:spTree>
+    <p:extLst>
+      <p:ext uri="{BB962C8B-B14F-4D97-AF65-F5344CB8AC3E}">
+        <p14:creationId xmlns:p14="http://schemas.microsoft.com/office/powerpoint/2010/main" val="2311145491"/>
+      </p:ext>
+    </p:extLst>
+  </p:cSld>
+  <p:clrMapOvr>
+    <a:masterClrMapping/>
+  </p:clrMapOvr>
+</p:sld>
+</file>
+
+<file path=ppt/slides/slide13.xml><?xml version="1.0" encoding="utf-8"?>
+<p:sld xmlns:a="http://schemas.openxmlformats.org/drawingml/2006/main" xmlns:r="http://schemas.openxmlformats.org/officeDocument/2006/relationships" xmlns:p="http://schemas.openxmlformats.org/presentationml/2006/main">
+  <p:cSld>
+    <p:spTree>
+      <p:nvGrpSpPr>
+        <p:cNvPr id="1" name=""/>
+        <p:cNvGrpSpPr/>
+        <p:nvPr/>
+      </p:nvGrpSpPr>
+      <p:grpSpPr>
+        <a:xfrm>
+          <a:off x="0" y="0"/>
+          <a:ext cx="0" cy="0"/>
+          <a:chOff x="0" y="0"/>
+          <a:chExt cx="0" cy="0"/>
+        </a:xfrm>
+      </p:grpSpPr>
+      <p:sp>
+        <p:nvSpPr>
+          <p:cNvPr id="2" name="Title 1">
+            <a:extLst>
+              <a:ext uri="{FF2B5EF4-FFF2-40B4-BE49-F238E27FC236}">
+                <a16:creationId xmlns:a16="http://schemas.microsoft.com/office/drawing/2014/main" id="{A0A51665-0DD6-B04B-B399-9842832D9FE1}"/>
+              </a:ext>
+            </a:extLst>
+          </p:cNvPr>
+          <p:cNvSpPr>
+            <a:spLocks noGrp="1"/>
+          </p:cNvSpPr>
+          <p:nvPr>
+            <p:ph type="title"/>
+          </p:nvPr>
+        </p:nvSpPr>
+        <p:spPr/>
+        <p:txBody>
+          <a:bodyPr/>
+          <a:lstStyle/>
+          <a:p>
+            <a:r>
+              <a:rPr lang="en-US" dirty="0"/>
+              <a:t>FIREBASE</a:t>
+            </a:r>
+          </a:p>
+        </p:txBody>
+      </p:sp>
+      <p:sp>
+        <p:nvSpPr>
+          <p:cNvPr id="5" name="Rectangle 4">
+            <a:extLst>
+              <a:ext uri="{FF2B5EF4-FFF2-40B4-BE49-F238E27FC236}">
+                <a16:creationId xmlns:a16="http://schemas.microsoft.com/office/drawing/2014/main" id="{4C42202D-C850-5A47-8EB6-7491D8A5F156}"/>
+              </a:ext>
+            </a:extLst>
+          </p:cNvPr>
+          <p:cNvSpPr/>
+          <p:nvPr/>
+        </p:nvSpPr>
+        <p:spPr>
+          <a:xfrm>
+            <a:off x="1895062" y="3166472"/>
+            <a:ext cx="1239078" cy="1239078"/>
+          </a:xfrm>
+          <a:prstGeom prst="rect">
+            <a:avLst/>
+          </a:prstGeom>
+          <a:solidFill>
+            <a:srgbClr val="F3F3F2"/>
+          </a:solidFill>
+          <a:ln>
+            <a:solidFill>
+              <a:schemeClr val="tx1"/>
+            </a:solidFill>
+          </a:ln>
+        </p:spPr>
+        <p:style>
+          <a:lnRef idx="2">
+            <a:schemeClr val="accent1">
+              <a:shade val="50000"/>
+            </a:schemeClr>
+          </a:lnRef>
+          <a:fillRef idx="1">
+            <a:schemeClr val="accent1"/>
+          </a:fillRef>
+          <a:effectRef idx="0">
+            <a:schemeClr val="accent1"/>
+          </a:effectRef>
+          <a:fontRef idx="minor">
+            <a:schemeClr val="lt1"/>
+          </a:fontRef>
+        </p:style>
+        <p:txBody>
+          <a:bodyPr rtlCol="0" anchor="ctr"/>
+          <a:lstStyle/>
+          <a:p>
+            <a:pPr algn="ctr"/>
+            <a:r>
+              <a:rPr lang="en-US" dirty="0">
+                <a:solidFill>
+                  <a:schemeClr val="tx1"/>
+                </a:solidFill>
+              </a:rPr>
+              <a:t>body</a:t>
+            </a:r>
+          </a:p>
+        </p:txBody>
+      </p:sp>
+      <p:sp>
+        <p:nvSpPr>
+          <p:cNvPr id="6" name="Rectangle 5">
+            <a:extLst>
+              <a:ext uri="{FF2B5EF4-FFF2-40B4-BE49-F238E27FC236}">
+                <a16:creationId xmlns:a16="http://schemas.microsoft.com/office/drawing/2014/main" id="{78C94242-6728-8B4E-8166-77885E08465D}"/>
+              </a:ext>
+            </a:extLst>
+          </p:cNvPr>
+          <p:cNvSpPr/>
+          <p:nvPr/>
+        </p:nvSpPr>
+        <p:spPr>
+          <a:xfrm>
+            <a:off x="4300332" y="3166471"/>
+            <a:ext cx="1239078" cy="1239078"/>
+          </a:xfrm>
+          <a:prstGeom prst="rect">
+            <a:avLst/>
+          </a:prstGeom>
+          <a:solidFill>
+            <a:srgbClr val="F3F3F2"/>
+          </a:solidFill>
+          <a:ln>
+            <a:solidFill>
+              <a:schemeClr val="tx1"/>
+            </a:solidFill>
+          </a:ln>
+        </p:spPr>
+        <p:style>
+          <a:lnRef idx="2">
+            <a:schemeClr val="accent1">
+              <a:shade val="50000"/>
+            </a:schemeClr>
+          </a:lnRef>
+          <a:fillRef idx="1">
+            <a:schemeClr val="accent1"/>
+          </a:fillRef>
+          <a:effectRef idx="0">
+            <a:schemeClr val="accent1"/>
+          </a:effectRef>
+          <a:fontRef idx="minor">
+            <a:schemeClr val="lt1"/>
+          </a:fontRef>
+        </p:style>
+        <p:txBody>
+          <a:bodyPr rtlCol="0" anchor="ctr"/>
+          <a:lstStyle/>
+          <a:p>
+            <a:pPr algn="ctr"/>
+            <a:r>
+              <a:rPr lang="en-US" dirty="0">
+                <a:solidFill>
+                  <a:schemeClr val="tx1"/>
+                </a:solidFill>
+              </a:rPr>
+              <a:t>id</a:t>
+            </a:r>
+          </a:p>
+        </p:txBody>
+      </p:sp>
+      <p:sp>
+        <p:nvSpPr>
+          <p:cNvPr id="7" name="TextBox 6">
+            <a:extLst>
+              <a:ext uri="{FF2B5EF4-FFF2-40B4-BE49-F238E27FC236}">
+                <a16:creationId xmlns:a16="http://schemas.microsoft.com/office/drawing/2014/main" id="{F57F8CCC-54B5-FC41-886D-EF8C12B460EB}"/>
+              </a:ext>
+            </a:extLst>
+          </p:cNvPr>
+          <p:cNvSpPr txBox="1"/>
+          <p:nvPr/>
+        </p:nvSpPr>
+        <p:spPr>
+          <a:xfrm>
+            <a:off x="1510748" y="2018542"/>
+            <a:ext cx="4306956" cy="646331"/>
+          </a:xfrm>
+          <a:prstGeom prst="rect">
+            <a:avLst/>
+          </a:prstGeom>
+          <a:noFill/>
+        </p:spPr>
+        <p:txBody>
+          <a:bodyPr wrap="square" rtlCol="0">
+            <a:spAutoFit/>
+          </a:bodyPr>
+          <a:lstStyle/>
+          <a:p>
+            <a:r>
+              <a:rPr lang="en-US" dirty="0"/>
+              <a:t>Con </a:t>
+            </a:r>
+            <a:r>
+              <a:rPr lang="en-US" dirty="0" err="1"/>
+              <a:t>cuál</a:t>
+            </a:r>
+            <a:r>
+              <a:rPr lang="en-US" dirty="0"/>
+              <a:t> campo se </a:t>
+            </a:r>
+            <a:r>
+              <a:rPr lang="en-US" dirty="0" err="1"/>
+              <a:t>referencia</a:t>
+            </a:r>
+            <a:r>
+              <a:rPr lang="en-US" dirty="0"/>
+              <a:t> al </a:t>
+            </a:r>
+            <a:r>
+              <a:rPr lang="en-US" dirty="0" err="1"/>
+              <a:t>usuario</a:t>
+            </a:r>
+            <a:r>
+              <a:rPr lang="en-US" dirty="0"/>
+              <a:t> </a:t>
+            </a:r>
+            <a:r>
+              <a:rPr lang="en-US" dirty="0" err="1"/>
+              <a:t>en</a:t>
+            </a:r>
+            <a:r>
+              <a:rPr lang="en-US" dirty="0"/>
+              <a:t> la </a:t>
+            </a:r>
+            <a:r>
+              <a:rPr lang="en-US" dirty="0" err="1"/>
+              <a:t>rama</a:t>
+            </a:r>
+            <a:r>
+              <a:rPr lang="en-US" dirty="0"/>
+              <a:t> de chats?</a:t>
+            </a:r>
+          </a:p>
+        </p:txBody>
+      </p:sp>
+      <p:pic>
+        <p:nvPicPr>
+          <p:cNvPr id="11" name="Picture 10">
+            <a:extLst>
+              <a:ext uri="{FF2B5EF4-FFF2-40B4-BE49-F238E27FC236}">
+                <a16:creationId xmlns:a16="http://schemas.microsoft.com/office/drawing/2014/main" id="{3BFB7AA0-1DD1-3641-80E2-2DEBE232D64A}"/>
+              </a:ext>
+            </a:extLst>
+          </p:cNvPr>
+          <p:cNvPicPr>
+            <a:picLocks noChangeAspect="1"/>
+          </p:cNvPicPr>
+          <p:nvPr/>
+        </p:nvPicPr>
+        <p:blipFill>
+          <a:blip r:embed="rId2">
+            <a:extLst>
+              <a:ext uri="{28A0092B-C50C-407E-A947-70E740481C1C}">
+                <a14:useLocalDpi xmlns:a14="http://schemas.microsoft.com/office/drawing/2010/main" val="0"/>
+              </a:ext>
+            </a:extLst>
+          </a:blip>
+          <a:stretch>
+            <a:fillRect/>
+          </a:stretch>
+        </p:blipFill>
+        <p:spPr>
+          <a:xfrm>
+            <a:off x="6776500" y="289193"/>
+            <a:ext cx="4792648" cy="5776853"/>
+          </a:xfrm>
+          <a:prstGeom prst="rect">
+            <a:avLst/>
+          </a:prstGeom>
+        </p:spPr>
+      </p:pic>
+      <p:sp>
+        <p:nvSpPr>
+          <p:cNvPr id="12" name="Rectangle 11">
+            <a:extLst>
+              <a:ext uri="{FF2B5EF4-FFF2-40B4-BE49-F238E27FC236}">
+                <a16:creationId xmlns:a16="http://schemas.microsoft.com/office/drawing/2014/main" id="{05F9538A-119D-0344-B1AE-D0433FCE46A0}"/>
+              </a:ext>
+            </a:extLst>
+          </p:cNvPr>
+          <p:cNvSpPr/>
+          <p:nvPr/>
+        </p:nvSpPr>
+        <p:spPr>
+          <a:xfrm>
+            <a:off x="1895062" y="4907148"/>
+            <a:ext cx="1239078" cy="1239078"/>
+          </a:xfrm>
+          <a:prstGeom prst="rect">
+            <a:avLst/>
+          </a:prstGeom>
+          <a:solidFill>
+            <a:srgbClr val="F3F3F2"/>
+          </a:solidFill>
+          <a:ln>
+            <a:solidFill>
+              <a:schemeClr val="tx1"/>
+            </a:solidFill>
+          </a:ln>
+        </p:spPr>
+        <p:style>
+          <a:lnRef idx="2">
+            <a:schemeClr val="accent1">
+              <a:shade val="50000"/>
+            </a:schemeClr>
+          </a:lnRef>
+          <a:fillRef idx="1">
+            <a:schemeClr val="accent1"/>
+          </a:fillRef>
+          <a:effectRef idx="0">
+            <a:schemeClr val="accent1"/>
+          </a:effectRef>
+          <a:fontRef idx="minor">
+            <a:schemeClr val="lt1"/>
+          </a:fontRef>
+        </p:style>
+        <p:txBody>
+          <a:bodyPr rtlCol="0" anchor="ctr"/>
+          <a:lstStyle/>
+          <a:p>
+            <a:pPr algn="ctr"/>
+            <a:r>
+              <a:rPr lang="en-US" dirty="0" err="1">
+                <a:solidFill>
+                  <a:schemeClr val="tx1"/>
+                </a:solidFill>
+              </a:rPr>
+              <a:t>userId</a:t>
+            </a:r>
+            <a:endParaRPr lang="en-US" dirty="0">
+              <a:solidFill>
+                <a:schemeClr val="tx1"/>
+              </a:solidFill>
+            </a:endParaRPr>
+          </a:p>
+        </p:txBody>
+      </p:sp>
+      <p:sp>
+        <p:nvSpPr>
+          <p:cNvPr id="13" name="Rectangle 12">
+            <a:extLst>
+              <a:ext uri="{FF2B5EF4-FFF2-40B4-BE49-F238E27FC236}">
+                <a16:creationId xmlns:a16="http://schemas.microsoft.com/office/drawing/2014/main" id="{0971D30E-C8A5-624C-91D2-51B5EF1ABED6}"/>
+              </a:ext>
+            </a:extLst>
+          </p:cNvPr>
+          <p:cNvSpPr/>
+          <p:nvPr/>
+        </p:nvSpPr>
+        <p:spPr>
+          <a:xfrm>
+            <a:off x="4300332" y="4907147"/>
+            <a:ext cx="1239078" cy="1239078"/>
+          </a:xfrm>
+          <a:prstGeom prst="rect">
+            <a:avLst/>
+          </a:prstGeom>
+          <a:solidFill>
+            <a:srgbClr val="F3F3F2"/>
+          </a:solidFill>
+          <a:ln>
+            <a:solidFill>
+              <a:schemeClr val="tx1"/>
+            </a:solidFill>
+          </a:ln>
+        </p:spPr>
+        <p:style>
+          <a:lnRef idx="2">
+            <a:schemeClr val="accent1">
+              <a:shade val="50000"/>
+            </a:schemeClr>
+          </a:lnRef>
+          <a:fillRef idx="1">
+            <a:schemeClr val="accent1"/>
+          </a:fillRef>
+          <a:effectRef idx="0">
+            <a:schemeClr val="accent1"/>
+          </a:effectRef>
+          <a:fontRef idx="minor">
+            <a:schemeClr val="lt1"/>
+          </a:fontRef>
+        </p:style>
+        <p:txBody>
+          <a:bodyPr rtlCol="0" anchor="ctr"/>
+          <a:lstStyle/>
+          <a:p>
+            <a:pPr algn="ctr"/>
+            <a:r>
+              <a:rPr lang="en-US" dirty="0">
+                <a:solidFill>
+                  <a:schemeClr val="tx1"/>
+                </a:solidFill>
+              </a:rPr>
+              <a:t>type</a:t>
+            </a:r>
+          </a:p>
+        </p:txBody>
+      </p:sp>
+    </p:spTree>
+    <p:extLst>
+      <p:ext uri="{BB962C8B-B14F-4D97-AF65-F5344CB8AC3E}">
+        <p14:creationId xmlns:p14="http://schemas.microsoft.com/office/powerpoint/2010/main" val="2640363315"/>
+      </p:ext>
+    </p:extLst>
+  </p:cSld>
+  <p:clrMapOvr>
+    <a:masterClrMapping/>
+  </p:clrMapOvr>
+</p:sld>
+</file>
+
 <file path=ppt/slides/slide2.xml><?xml version="1.0" encoding="utf-8"?>
+<p:sld xmlns:a="http://schemas.openxmlformats.org/drawingml/2006/main" xmlns:r="http://schemas.openxmlformats.org/officeDocument/2006/relationships" xmlns:p="http://schemas.openxmlformats.org/presentationml/2006/main">
+  <p:cSld>
+    <p:spTree>
+      <p:nvGrpSpPr>
+        <p:cNvPr id="1" name=""/>
+        <p:cNvGrpSpPr/>
+        <p:nvPr/>
+      </p:nvGrpSpPr>
+      <p:grpSpPr>
+        <a:xfrm>
+          <a:off x="0" y="0"/>
+          <a:ext cx="0" cy="0"/>
+          <a:chOff x="0" y="0"/>
+          <a:chExt cx="0" cy="0"/>
+        </a:xfrm>
+      </p:grpSpPr>
+      <p:sp>
+        <p:nvSpPr>
+          <p:cNvPr id="2" name="Title 1">
+            <a:extLst>
+              <a:ext uri="{FF2B5EF4-FFF2-40B4-BE49-F238E27FC236}">
+                <a16:creationId xmlns:a16="http://schemas.microsoft.com/office/drawing/2014/main" id="{ED85BD8F-1E24-C84B-89CE-979CA0C24BBD}"/>
+              </a:ext>
+            </a:extLst>
+          </p:cNvPr>
+          <p:cNvSpPr>
+            <a:spLocks noGrp="1"/>
+          </p:cNvSpPr>
+          <p:nvPr>
+            <p:ph type="title"/>
+          </p:nvPr>
+        </p:nvSpPr>
+        <p:spPr/>
+        <p:txBody>
+          <a:bodyPr/>
+          <a:lstStyle/>
+          <a:p>
+            <a:r>
+              <a:rPr lang="en-US" dirty="0"/>
+              <a:t>Trivia</a:t>
+            </a:r>
+          </a:p>
+        </p:txBody>
+      </p:sp>
+      <p:sp>
+        <p:nvSpPr>
+          <p:cNvPr id="4" name="Rectangle 3">
+            <a:extLst>
+              <a:ext uri="{FF2B5EF4-FFF2-40B4-BE49-F238E27FC236}">
+                <a16:creationId xmlns:a16="http://schemas.microsoft.com/office/drawing/2014/main" id="{58B2CF91-84BD-C945-BEE6-93E36C275C1F}"/>
+              </a:ext>
+            </a:extLst>
+          </p:cNvPr>
+          <p:cNvSpPr/>
+          <p:nvPr/>
+        </p:nvSpPr>
+        <p:spPr>
+          <a:xfrm>
+            <a:off x="3498574" y="4574650"/>
+            <a:ext cx="1521350" cy="1521350"/>
+          </a:xfrm>
+          <a:prstGeom prst="rect">
+            <a:avLst/>
+          </a:prstGeom>
+          <a:solidFill>
+            <a:srgbClr val="F3F3F2"/>
+          </a:solidFill>
+          <a:ln>
+            <a:solidFill>
+              <a:schemeClr val="tx1"/>
+            </a:solidFill>
+          </a:ln>
+        </p:spPr>
+        <p:style>
+          <a:lnRef idx="2">
+            <a:schemeClr val="accent1">
+              <a:shade val="50000"/>
+            </a:schemeClr>
+          </a:lnRef>
+          <a:fillRef idx="1">
+            <a:schemeClr val="accent1"/>
+          </a:fillRef>
+          <a:effectRef idx="0">
+            <a:schemeClr val="accent1"/>
+          </a:effectRef>
+          <a:fontRef idx="minor">
+            <a:schemeClr val="lt1"/>
+          </a:fontRef>
+        </p:style>
+        <p:txBody>
+          <a:bodyPr rtlCol="0" anchor="ctr"/>
+          <a:lstStyle/>
+          <a:p>
+            <a:pPr algn="ctr"/>
+            <a:r>
+              <a:rPr lang="en-US" dirty="0">
+                <a:solidFill>
+                  <a:schemeClr val="tx1"/>
+                </a:solidFill>
+              </a:rPr>
+              <a:t>SI</a:t>
+            </a:r>
+          </a:p>
+        </p:txBody>
+      </p:sp>
+      <p:sp>
+        <p:nvSpPr>
+          <p:cNvPr id="5" name="Rectangle 4">
+            <a:extLst>
+              <a:ext uri="{FF2B5EF4-FFF2-40B4-BE49-F238E27FC236}">
+                <a16:creationId xmlns:a16="http://schemas.microsoft.com/office/drawing/2014/main" id="{0A0135B4-A828-B946-8001-8E62885002D8}"/>
+              </a:ext>
+            </a:extLst>
+          </p:cNvPr>
+          <p:cNvSpPr/>
+          <p:nvPr/>
+        </p:nvSpPr>
+        <p:spPr>
+          <a:xfrm>
+            <a:off x="6751983" y="4574650"/>
+            <a:ext cx="1521350" cy="1521350"/>
+          </a:xfrm>
+          <a:prstGeom prst="rect">
+            <a:avLst/>
+          </a:prstGeom>
+          <a:solidFill>
+            <a:srgbClr val="F3F3F2"/>
+          </a:solidFill>
+          <a:ln>
+            <a:solidFill>
+              <a:schemeClr val="tx1"/>
+            </a:solidFill>
+          </a:ln>
+        </p:spPr>
+        <p:style>
+          <a:lnRef idx="2">
+            <a:schemeClr val="accent1">
+              <a:shade val="50000"/>
+            </a:schemeClr>
+          </a:lnRef>
+          <a:fillRef idx="1">
+            <a:schemeClr val="accent1"/>
+          </a:fillRef>
+          <a:effectRef idx="0">
+            <a:schemeClr val="accent1"/>
+          </a:effectRef>
+          <a:fontRef idx="minor">
+            <a:schemeClr val="lt1"/>
+          </a:fontRef>
+        </p:style>
+        <p:txBody>
+          <a:bodyPr rtlCol="0" anchor="ctr"/>
+          <a:lstStyle/>
+          <a:p>
+            <a:pPr algn="ctr"/>
+            <a:r>
+              <a:rPr lang="en-US" dirty="0">
+                <a:solidFill>
+                  <a:schemeClr val="tx1"/>
+                </a:solidFill>
+              </a:rPr>
+              <a:t>NO</a:t>
+            </a:r>
+          </a:p>
+        </p:txBody>
+      </p:sp>
+      <p:sp>
+        <p:nvSpPr>
+          <p:cNvPr id="7" name="TextBox 6">
+            <a:extLst>
+              <a:ext uri="{FF2B5EF4-FFF2-40B4-BE49-F238E27FC236}">
+                <a16:creationId xmlns:a16="http://schemas.microsoft.com/office/drawing/2014/main" id="{74943629-BC73-B643-A9F8-3DCBF2509ACC}"/>
+              </a:ext>
+            </a:extLst>
+          </p:cNvPr>
+          <p:cNvSpPr txBox="1"/>
+          <p:nvPr/>
+        </p:nvSpPr>
+        <p:spPr>
+          <a:xfrm>
+            <a:off x="3362739" y="2155780"/>
+            <a:ext cx="4985468" cy="923330"/>
+          </a:xfrm>
+          <a:prstGeom prst="rect">
+            <a:avLst/>
+          </a:prstGeom>
+          <a:noFill/>
+        </p:spPr>
+        <p:txBody>
+          <a:bodyPr wrap="square" rtlCol="0">
+            <a:spAutoFit/>
+          </a:bodyPr>
+          <a:lstStyle/>
+          <a:p>
+            <a:r>
+              <a:rPr lang="en-US" dirty="0"/>
+              <a:t>1. El  </a:t>
+            </a:r>
+            <a:r>
+              <a:rPr lang="en-US" dirty="0" err="1"/>
+              <a:t>siguiente</a:t>
+            </a:r>
+            <a:r>
+              <a:rPr lang="en-US" dirty="0"/>
+              <a:t> </a:t>
+            </a:r>
+            <a:r>
+              <a:rPr lang="en-US" dirty="0" err="1"/>
+              <a:t>código</a:t>
+            </a:r>
+            <a:r>
+              <a:rPr lang="en-US" dirty="0"/>
+              <a:t> </a:t>
+            </a:r>
+            <a:r>
+              <a:rPr lang="en-US" dirty="0" err="1"/>
+              <a:t>es</a:t>
+            </a:r>
+            <a:r>
+              <a:rPr lang="en-US" dirty="0"/>
+              <a:t> </a:t>
+            </a:r>
+            <a:r>
+              <a:rPr lang="en-US" dirty="0" err="1"/>
+              <a:t>capaz</a:t>
+            </a:r>
+            <a:r>
+              <a:rPr lang="en-US" dirty="0"/>
+              <a:t> de </a:t>
+            </a:r>
+            <a:r>
+              <a:rPr lang="en-US" dirty="0" err="1"/>
+              <a:t>recibir</a:t>
+            </a:r>
+            <a:r>
+              <a:rPr lang="en-US" dirty="0"/>
+              <a:t> </a:t>
+            </a:r>
+            <a:r>
+              <a:rPr lang="en-US" dirty="0" err="1"/>
+              <a:t>completo</a:t>
+            </a:r>
+            <a:r>
+              <a:rPr lang="en-US" dirty="0"/>
+              <a:t> el </a:t>
+            </a:r>
+            <a:r>
+              <a:rPr lang="en-US" dirty="0" err="1"/>
+              <a:t>mensaje</a:t>
+            </a:r>
+            <a:r>
+              <a:rPr lang="en-US" dirty="0"/>
+              <a:t>:</a:t>
+            </a:r>
+          </a:p>
+          <a:p>
+            <a:r>
+              <a:rPr lang="en-US" dirty="0"/>
+              <a:t>“Este </a:t>
+            </a:r>
+            <a:r>
+              <a:rPr lang="en-US" dirty="0" err="1"/>
+              <a:t>es</a:t>
+            </a:r>
+            <a:r>
+              <a:rPr lang="en-US" dirty="0"/>
+              <a:t> un </a:t>
+            </a:r>
+            <a:r>
+              <a:rPr lang="en-US" dirty="0" err="1"/>
+              <a:t>mensaje</a:t>
+            </a:r>
+            <a:r>
+              <a:rPr lang="en-US" dirty="0"/>
+              <a:t> </a:t>
+            </a:r>
+            <a:r>
+              <a:rPr lang="en-US" dirty="0" err="1"/>
+              <a:t>en</a:t>
+            </a:r>
+            <a:r>
+              <a:rPr lang="en-US" dirty="0"/>
+              <a:t> UDP” ?</a:t>
+            </a:r>
+          </a:p>
+        </p:txBody>
+      </p:sp>
+      <p:sp>
+        <p:nvSpPr>
+          <p:cNvPr id="8" name="Rectangle 7">
+            <a:extLst>
+              <a:ext uri="{FF2B5EF4-FFF2-40B4-BE49-F238E27FC236}">
+                <a16:creationId xmlns:a16="http://schemas.microsoft.com/office/drawing/2014/main" id="{30CD0BF1-C9F4-B543-819F-ED3A00F2FD8B}"/>
+              </a:ext>
+            </a:extLst>
+          </p:cNvPr>
+          <p:cNvSpPr/>
+          <p:nvPr/>
+        </p:nvSpPr>
+        <p:spPr>
+          <a:xfrm>
+            <a:off x="3362739" y="3314584"/>
+            <a:ext cx="5527482" cy="1015663"/>
+          </a:xfrm>
+          <a:prstGeom prst="rect">
+            <a:avLst/>
+          </a:prstGeom>
+        </p:spPr>
+        <p:txBody>
+          <a:bodyPr wrap="square">
+            <a:spAutoFit/>
+          </a:bodyPr>
+          <a:lstStyle/>
+          <a:p>
+            <a:r>
+              <a:rPr lang="en-US" sz="1200" dirty="0">
+                <a:latin typeface="Consolas" panose="020B0609020204030204" pitchFamily="49" charset="0"/>
+                <a:cs typeface="Consolas" panose="020B0609020204030204" pitchFamily="49" charset="0"/>
+              </a:rPr>
+              <a:t>byte[] buff = new byte[40];</a:t>
+            </a:r>
+          </a:p>
+          <a:p>
+            <a:r>
+              <a:rPr lang="en-US" sz="1200" dirty="0">
+                <a:latin typeface="Consolas" panose="020B0609020204030204" pitchFamily="49" charset="0"/>
+                <a:cs typeface="Consolas" panose="020B0609020204030204" pitchFamily="49" charset="0"/>
+              </a:rPr>
+              <a:t>while (running) {</a:t>
+            </a:r>
+          </a:p>
+          <a:p>
+            <a:r>
+              <a:rPr lang="en-US" sz="1200" dirty="0">
+                <a:latin typeface="Consolas" panose="020B0609020204030204" pitchFamily="49" charset="0"/>
+                <a:cs typeface="Consolas" panose="020B0609020204030204" pitchFamily="49" charset="0"/>
+              </a:rPr>
+              <a:t>   </a:t>
+            </a:r>
+            <a:r>
+              <a:rPr lang="en-US" sz="1200" dirty="0" err="1">
+                <a:latin typeface="Consolas" panose="020B0609020204030204" pitchFamily="49" charset="0"/>
+                <a:cs typeface="Consolas" panose="020B0609020204030204" pitchFamily="49" charset="0"/>
+              </a:rPr>
+              <a:t>DatagramPacket</a:t>
+            </a:r>
+            <a:r>
+              <a:rPr lang="en-US" sz="1200" dirty="0">
+                <a:latin typeface="Consolas" panose="020B0609020204030204" pitchFamily="49" charset="0"/>
+                <a:cs typeface="Consolas" panose="020B0609020204030204" pitchFamily="49" charset="0"/>
+              </a:rPr>
+              <a:t> packet = new </a:t>
+            </a:r>
+            <a:r>
+              <a:rPr lang="en-US" sz="1200" dirty="0" err="1">
+                <a:latin typeface="Consolas" panose="020B0609020204030204" pitchFamily="49" charset="0"/>
+                <a:cs typeface="Consolas" panose="020B0609020204030204" pitchFamily="49" charset="0"/>
+              </a:rPr>
+              <a:t>DatagramPacket</a:t>
+            </a:r>
+            <a:r>
+              <a:rPr lang="en-US" sz="1200" dirty="0">
+                <a:latin typeface="Consolas" panose="020B0609020204030204" pitchFamily="49" charset="0"/>
+                <a:cs typeface="Consolas" panose="020B0609020204030204" pitchFamily="49" charset="0"/>
+              </a:rPr>
+              <a:t>(</a:t>
+            </a:r>
+            <a:r>
+              <a:rPr lang="en-US" sz="1200" dirty="0" err="1">
+                <a:latin typeface="Consolas" panose="020B0609020204030204" pitchFamily="49" charset="0"/>
+                <a:cs typeface="Consolas" panose="020B0609020204030204" pitchFamily="49" charset="0"/>
+              </a:rPr>
+              <a:t>buf</a:t>
+            </a:r>
+            <a:r>
+              <a:rPr lang="en-US" sz="1200" dirty="0">
+                <a:latin typeface="Consolas" panose="020B0609020204030204" pitchFamily="49" charset="0"/>
+                <a:cs typeface="Consolas" panose="020B0609020204030204" pitchFamily="49" charset="0"/>
+              </a:rPr>
+              <a:t>, </a:t>
+            </a:r>
+            <a:r>
+              <a:rPr lang="en-US" sz="1200" dirty="0" err="1">
+                <a:latin typeface="Consolas" panose="020B0609020204030204" pitchFamily="49" charset="0"/>
+                <a:cs typeface="Consolas" panose="020B0609020204030204" pitchFamily="49" charset="0"/>
+              </a:rPr>
+              <a:t>buf.length</a:t>
+            </a:r>
+            <a:r>
+              <a:rPr lang="en-US" sz="1200" dirty="0">
+                <a:latin typeface="Consolas" panose="020B0609020204030204" pitchFamily="49" charset="0"/>
+                <a:cs typeface="Consolas" panose="020B0609020204030204" pitchFamily="49" charset="0"/>
+              </a:rPr>
+              <a:t>);</a:t>
+            </a:r>
+          </a:p>
+          <a:p>
+            <a:r>
+              <a:rPr lang="en-US" sz="1200" dirty="0">
+                <a:latin typeface="Consolas" panose="020B0609020204030204" pitchFamily="49" charset="0"/>
+                <a:cs typeface="Consolas" panose="020B0609020204030204" pitchFamily="49" charset="0"/>
+              </a:rPr>
+              <a:t>   </a:t>
+            </a:r>
+            <a:r>
+              <a:rPr lang="en-US" sz="1200" dirty="0" err="1">
+                <a:latin typeface="Consolas" panose="020B0609020204030204" pitchFamily="49" charset="0"/>
+                <a:cs typeface="Consolas" panose="020B0609020204030204" pitchFamily="49" charset="0"/>
+              </a:rPr>
+              <a:t>socket.receive</a:t>
+            </a:r>
+            <a:r>
+              <a:rPr lang="en-US" sz="1200" dirty="0">
+                <a:latin typeface="Consolas" panose="020B0609020204030204" pitchFamily="49" charset="0"/>
+                <a:cs typeface="Consolas" panose="020B0609020204030204" pitchFamily="49" charset="0"/>
+              </a:rPr>
+              <a:t>(packet);</a:t>
+            </a:r>
+          </a:p>
+          <a:p>
+            <a:r>
+              <a:rPr lang="en-US" sz="1200" dirty="0">
+                <a:latin typeface="Consolas" panose="020B0609020204030204" pitchFamily="49" charset="0"/>
+                <a:cs typeface="Consolas" panose="020B0609020204030204" pitchFamily="49" charset="0"/>
+              </a:rPr>
+              <a:t>}</a:t>
+            </a:r>
+          </a:p>
+        </p:txBody>
+      </p:sp>
+    </p:spTree>
+    <p:extLst>
+      <p:ext uri="{BB962C8B-B14F-4D97-AF65-F5344CB8AC3E}">
+        <p14:creationId xmlns:p14="http://schemas.microsoft.com/office/powerpoint/2010/main" val="2052406830"/>
+      </p:ext>
+    </p:extLst>
+  </p:cSld>
+  <p:clrMapOvr>
+    <a:masterClrMapping/>
+  </p:clrMapOvr>
+</p:sld>
+</file>
+
+<file path=ppt/slides/slide3.xml><?xml version="1.0" encoding="utf-8"?>
+<p:sld xmlns:a="http://schemas.openxmlformats.org/drawingml/2006/main" xmlns:r="http://schemas.openxmlformats.org/officeDocument/2006/relationships" xmlns:p="http://schemas.openxmlformats.org/presentationml/2006/main">
+  <p:cSld>
+    <p:spTree>
+      <p:nvGrpSpPr>
+        <p:cNvPr id="1" name=""/>
+        <p:cNvGrpSpPr/>
+        <p:nvPr/>
+      </p:nvGrpSpPr>
+      <p:grpSpPr>
+        <a:xfrm>
+          <a:off x="0" y="0"/>
+          <a:ext cx="0" cy="0"/>
+          <a:chOff x="0" y="0"/>
+          <a:chExt cx="0" cy="0"/>
+        </a:xfrm>
+      </p:grpSpPr>
+      <p:sp>
+        <p:nvSpPr>
+          <p:cNvPr id="2" name="Title 1">
+            <a:extLst>
+              <a:ext uri="{FF2B5EF4-FFF2-40B4-BE49-F238E27FC236}">
+                <a16:creationId xmlns:a16="http://schemas.microsoft.com/office/drawing/2014/main" id="{ED85BD8F-1E24-C84B-89CE-979CA0C24BBD}"/>
+              </a:ext>
+            </a:extLst>
+          </p:cNvPr>
+          <p:cNvSpPr>
+            <a:spLocks noGrp="1"/>
+          </p:cNvSpPr>
+          <p:nvPr>
+            <p:ph type="title"/>
+          </p:nvPr>
+        </p:nvSpPr>
+        <p:spPr/>
+        <p:txBody>
+          <a:bodyPr/>
+          <a:lstStyle/>
+          <a:p>
+            <a:r>
+              <a:rPr lang="en-US" dirty="0"/>
+              <a:t>Trivia</a:t>
+            </a:r>
+          </a:p>
+        </p:txBody>
+      </p:sp>
+      <p:sp>
+        <p:nvSpPr>
+          <p:cNvPr id="4" name="Rectangle 3">
+            <a:extLst>
+              <a:ext uri="{FF2B5EF4-FFF2-40B4-BE49-F238E27FC236}">
+                <a16:creationId xmlns:a16="http://schemas.microsoft.com/office/drawing/2014/main" id="{58B2CF91-84BD-C945-BEE6-93E36C275C1F}"/>
+              </a:ext>
+            </a:extLst>
+          </p:cNvPr>
+          <p:cNvSpPr/>
+          <p:nvPr/>
+        </p:nvSpPr>
+        <p:spPr>
+          <a:xfrm>
+            <a:off x="2544417" y="4097572"/>
+            <a:ext cx="1932167" cy="1932167"/>
+          </a:xfrm>
+          <a:prstGeom prst="rect">
+            <a:avLst/>
+          </a:prstGeom>
+          <a:solidFill>
+            <a:srgbClr val="F3F3F2"/>
+          </a:solidFill>
+          <a:ln>
+            <a:solidFill>
+              <a:schemeClr val="tx1"/>
+            </a:solidFill>
+          </a:ln>
+        </p:spPr>
+        <p:style>
+          <a:lnRef idx="2">
+            <a:schemeClr val="accent1">
+              <a:shade val="50000"/>
+            </a:schemeClr>
+          </a:lnRef>
+          <a:fillRef idx="1">
+            <a:schemeClr val="accent1"/>
+          </a:fillRef>
+          <a:effectRef idx="0">
+            <a:schemeClr val="accent1"/>
+          </a:effectRef>
+          <a:fontRef idx="minor">
+            <a:schemeClr val="lt1"/>
+          </a:fontRef>
+        </p:style>
+        <p:txBody>
+          <a:bodyPr rtlCol="0" anchor="ctr"/>
+          <a:lstStyle/>
+          <a:p>
+            <a:pPr algn="ctr"/>
+            <a:r>
+              <a:rPr lang="en-US" dirty="0" err="1">
+                <a:solidFill>
+                  <a:schemeClr val="tx1"/>
+                </a:solidFill>
+              </a:rPr>
+              <a:t>Aumentar</a:t>
+            </a:r>
+            <a:r>
+              <a:rPr lang="en-US" dirty="0">
+                <a:solidFill>
+                  <a:schemeClr val="tx1"/>
+                </a:solidFill>
+              </a:rPr>
+              <a:t> </a:t>
+            </a:r>
+            <a:r>
+              <a:rPr lang="en-US" dirty="0" err="1">
+                <a:solidFill>
+                  <a:schemeClr val="tx1"/>
+                </a:solidFill>
+              </a:rPr>
+              <a:t>tamaño</a:t>
+            </a:r>
+            <a:r>
+              <a:rPr lang="en-US" dirty="0">
+                <a:solidFill>
+                  <a:schemeClr val="tx1"/>
+                </a:solidFill>
+              </a:rPr>
+              <a:t> de buffer</a:t>
+            </a:r>
+          </a:p>
+        </p:txBody>
+      </p:sp>
+      <p:sp>
+        <p:nvSpPr>
+          <p:cNvPr id="7" name="TextBox 6">
+            <a:extLst>
+              <a:ext uri="{FF2B5EF4-FFF2-40B4-BE49-F238E27FC236}">
+                <a16:creationId xmlns:a16="http://schemas.microsoft.com/office/drawing/2014/main" id="{74943629-BC73-B643-A9F8-3DCBF2509ACC}"/>
+              </a:ext>
+            </a:extLst>
+          </p:cNvPr>
+          <p:cNvSpPr txBox="1"/>
+          <p:nvPr/>
+        </p:nvSpPr>
+        <p:spPr>
+          <a:xfrm>
+            <a:off x="3510500" y="2293562"/>
+            <a:ext cx="4985468" cy="369332"/>
+          </a:xfrm>
+          <a:prstGeom prst="rect">
+            <a:avLst/>
+          </a:prstGeom>
+          <a:noFill/>
+        </p:spPr>
+        <p:txBody>
+          <a:bodyPr wrap="square" rtlCol="0">
+            <a:spAutoFit/>
+          </a:bodyPr>
+          <a:lstStyle/>
+          <a:p>
+            <a:r>
+              <a:rPr lang="en-US" dirty="0"/>
+              <a:t>2. </a:t>
+            </a:r>
+            <a:r>
+              <a:rPr lang="en-US" dirty="0" err="1"/>
+              <a:t>Qué</a:t>
+            </a:r>
+            <a:r>
+              <a:rPr lang="en-US" dirty="0"/>
+              <a:t> </a:t>
+            </a:r>
+            <a:r>
+              <a:rPr lang="en-US" dirty="0" err="1"/>
+              <a:t>hace</a:t>
+            </a:r>
+            <a:r>
+              <a:rPr lang="en-US" dirty="0"/>
+              <a:t> para </a:t>
+            </a:r>
+            <a:r>
+              <a:rPr lang="en-US" dirty="0" err="1"/>
+              <a:t>corregirlo</a:t>
+            </a:r>
+            <a:r>
+              <a:rPr lang="en-US" dirty="0"/>
+              <a:t>?</a:t>
+            </a:r>
+          </a:p>
+        </p:txBody>
+      </p:sp>
+      <p:sp>
+        <p:nvSpPr>
+          <p:cNvPr id="8" name="Rectangle 7">
+            <a:extLst>
+              <a:ext uri="{FF2B5EF4-FFF2-40B4-BE49-F238E27FC236}">
+                <a16:creationId xmlns:a16="http://schemas.microsoft.com/office/drawing/2014/main" id="{30CD0BF1-C9F4-B543-819F-ED3A00F2FD8B}"/>
+              </a:ext>
+            </a:extLst>
+          </p:cNvPr>
+          <p:cNvSpPr/>
+          <p:nvPr/>
+        </p:nvSpPr>
+        <p:spPr>
+          <a:xfrm>
+            <a:off x="3510500" y="2925676"/>
+            <a:ext cx="5527482" cy="1015663"/>
+          </a:xfrm>
+          <a:prstGeom prst="rect">
+            <a:avLst/>
+          </a:prstGeom>
+        </p:spPr>
+        <p:txBody>
+          <a:bodyPr wrap="square">
+            <a:spAutoFit/>
+          </a:bodyPr>
+          <a:lstStyle/>
+          <a:p>
+            <a:r>
+              <a:rPr lang="en-US" sz="1200" dirty="0">
+                <a:latin typeface="Consolas" panose="020B0609020204030204" pitchFamily="49" charset="0"/>
+                <a:cs typeface="Consolas" panose="020B0609020204030204" pitchFamily="49" charset="0"/>
+              </a:rPr>
+              <a:t>byte[] buff = new byte[40];</a:t>
+            </a:r>
+          </a:p>
+          <a:p>
+            <a:r>
+              <a:rPr lang="en-US" sz="1200" dirty="0">
+                <a:latin typeface="Consolas" panose="020B0609020204030204" pitchFamily="49" charset="0"/>
+                <a:cs typeface="Consolas" panose="020B0609020204030204" pitchFamily="49" charset="0"/>
+              </a:rPr>
+              <a:t>while (running) {</a:t>
+            </a:r>
+          </a:p>
+          <a:p>
+            <a:r>
+              <a:rPr lang="en-US" sz="1200" dirty="0">
+                <a:latin typeface="Consolas" panose="020B0609020204030204" pitchFamily="49" charset="0"/>
+                <a:cs typeface="Consolas" panose="020B0609020204030204" pitchFamily="49" charset="0"/>
+              </a:rPr>
+              <a:t>   </a:t>
+            </a:r>
+            <a:r>
+              <a:rPr lang="en-US" sz="1200" dirty="0" err="1">
+                <a:latin typeface="Consolas" panose="020B0609020204030204" pitchFamily="49" charset="0"/>
+                <a:cs typeface="Consolas" panose="020B0609020204030204" pitchFamily="49" charset="0"/>
+              </a:rPr>
+              <a:t>DatagramPacket</a:t>
+            </a:r>
+            <a:r>
+              <a:rPr lang="en-US" sz="1200" dirty="0">
+                <a:latin typeface="Consolas" panose="020B0609020204030204" pitchFamily="49" charset="0"/>
+                <a:cs typeface="Consolas" panose="020B0609020204030204" pitchFamily="49" charset="0"/>
+              </a:rPr>
+              <a:t> packet = new </a:t>
+            </a:r>
+            <a:r>
+              <a:rPr lang="en-US" sz="1200" dirty="0" err="1">
+                <a:latin typeface="Consolas" panose="020B0609020204030204" pitchFamily="49" charset="0"/>
+                <a:cs typeface="Consolas" panose="020B0609020204030204" pitchFamily="49" charset="0"/>
+              </a:rPr>
+              <a:t>DatagramPacket</a:t>
+            </a:r>
+            <a:r>
+              <a:rPr lang="en-US" sz="1200" dirty="0">
+                <a:latin typeface="Consolas" panose="020B0609020204030204" pitchFamily="49" charset="0"/>
+                <a:cs typeface="Consolas" panose="020B0609020204030204" pitchFamily="49" charset="0"/>
+              </a:rPr>
+              <a:t>(</a:t>
+            </a:r>
+            <a:r>
+              <a:rPr lang="en-US" sz="1200" dirty="0" err="1">
+                <a:latin typeface="Consolas" panose="020B0609020204030204" pitchFamily="49" charset="0"/>
+                <a:cs typeface="Consolas" panose="020B0609020204030204" pitchFamily="49" charset="0"/>
+              </a:rPr>
+              <a:t>buf</a:t>
+            </a:r>
+            <a:r>
+              <a:rPr lang="en-US" sz="1200" dirty="0">
+                <a:latin typeface="Consolas" panose="020B0609020204030204" pitchFamily="49" charset="0"/>
+                <a:cs typeface="Consolas" panose="020B0609020204030204" pitchFamily="49" charset="0"/>
+              </a:rPr>
+              <a:t>, </a:t>
+            </a:r>
+            <a:r>
+              <a:rPr lang="en-US" sz="1200" dirty="0" err="1">
+                <a:latin typeface="Consolas" panose="020B0609020204030204" pitchFamily="49" charset="0"/>
+                <a:cs typeface="Consolas" panose="020B0609020204030204" pitchFamily="49" charset="0"/>
+              </a:rPr>
+              <a:t>buf.length</a:t>
+            </a:r>
+            <a:r>
+              <a:rPr lang="en-US" sz="1200" dirty="0">
+                <a:latin typeface="Consolas" panose="020B0609020204030204" pitchFamily="49" charset="0"/>
+                <a:cs typeface="Consolas" panose="020B0609020204030204" pitchFamily="49" charset="0"/>
+              </a:rPr>
+              <a:t>);</a:t>
+            </a:r>
+          </a:p>
+          <a:p>
+            <a:r>
+              <a:rPr lang="en-US" sz="1200" dirty="0">
+                <a:latin typeface="Consolas" panose="020B0609020204030204" pitchFamily="49" charset="0"/>
+                <a:cs typeface="Consolas" panose="020B0609020204030204" pitchFamily="49" charset="0"/>
+              </a:rPr>
+              <a:t>   </a:t>
+            </a:r>
+            <a:r>
+              <a:rPr lang="en-US" sz="1200" dirty="0" err="1">
+                <a:latin typeface="Consolas" panose="020B0609020204030204" pitchFamily="49" charset="0"/>
+                <a:cs typeface="Consolas" panose="020B0609020204030204" pitchFamily="49" charset="0"/>
+              </a:rPr>
+              <a:t>socket.receive</a:t>
+            </a:r>
+            <a:r>
+              <a:rPr lang="en-US" sz="1200" dirty="0">
+                <a:latin typeface="Consolas" panose="020B0609020204030204" pitchFamily="49" charset="0"/>
+                <a:cs typeface="Consolas" panose="020B0609020204030204" pitchFamily="49" charset="0"/>
+              </a:rPr>
+              <a:t>(packet);</a:t>
+            </a:r>
+          </a:p>
+          <a:p>
+            <a:r>
+              <a:rPr lang="en-US" sz="1200" dirty="0">
+                <a:latin typeface="Consolas" panose="020B0609020204030204" pitchFamily="49" charset="0"/>
+                <a:cs typeface="Consolas" panose="020B0609020204030204" pitchFamily="49" charset="0"/>
+              </a:rPr>
+              <a:t>}</a:t>
+            </a:r>
+          </a:p>
+        </p:txBody>
+      </p:sp>
+      <p:sp>
+        <p:nvSpPr>
+          <p:cNvPr id="9" name="Rectangle 8">
+            <a:extLst>
+              <a:ext uri="{FF2B5EF4-FFF2-40B4-BE49-F238E27FC236}">
+                <a16:creationId xmlns:a16="http://schemas.microsoft.com/office/drawing/2014/main" id="{50C8E5F0-E8B3-0443-8CF5-9DB86A27D34F}"/>
+              </a:ext>
+            </a:extLst>
+          </p:cNvPr>
+          <p:cNvSpPr/>
+          <p:nvPr/>
+        </p:nvSpPr>
+        <p:spPr>
+          <a:xfrm>
+            <a:off x="4949687" y="4097571"/>
+            <a:ext cx="1932167" cy="1932167"/>
+          </a:xfrm>
+          <a:prstGeom prst="rect">
+            <a:avLst/>
+          </a:prstGeom>
+          <a:solidFill>
+            <a:srgbClr val="F3F3F2"/>
+          </a:solidFill>
+          <a:ln>
+            <a:solidFill>
+              <a:schemeClr val="tx1"/>
+            </a:solidFill>
+          </a:ln>
+        </p:spPr>
+        <p:style>
+          <a:lnRef idx="2">
+            <a:schemeClr val="accent1">
+              <a:shade val="50000"/>
+            </a:schemeClr>
+          </a:lnRef>
+          <a:fillRef idx="1">
+            <a:schemeClr val="accent1"/>
+          </a:fillRef>
+          <a:effectRef idx="0">
+            <a:schemeClr val="accent1"/>
+          </a:effectRef>
+          <a:fontRef idx="minor">
+            <a:schemeClr val="lt1"/>
+          </a:fontRef>
+        </p:style>
+        <p:txBody>
+          <a:bodyPr rtlCol="0" anchor="ctr"/>
+          <a:lstStyle/>
+          <a:p>
+            <a:pPr algn="ctr"/>
+            <a:r>
+              <a:rPr lang="en-US" dirty="0" err="1">
+                <a:solidFill>
+                  <a:schemeClr val="tx1"/>
+                </a:solidFill>
+              </a:rPr>
+              <a:t>Datagrama</a:t>
+            </a:r>
+            <a:r>
+              <a:rPr lang="en-US" dirty="0">
+                <a:solidFill>
+                  <a:schemeClr val="tx1"/>
+                </a:solidFill>
+              </a:rPr>
+              <a:t> de 4 </a:t>
+            </a:r>
+            <a:r>
+              <a:rPr lang="en-US" dirty="0" err="1">
+                <a:solidFill>
+                  <a:schemeClr val="tx1"/>
+                </a:solidFill>
+              </a:rPr>
+              <a:t>parámetros</a:t>
+            </a:r>
+            <a:endParaRPr lang="en-US" dirty="0">
+              <a:solidFill>
+                <a:schemeClr val="tx1"/>
+              </a:solidFill>
+            </a:endParaRPr>
+          </a:p>
+        </p:txBody>
+      </p:sp>
+      <p:sp>
+        <p:nvSpPr>
+          <p:cNvPr id="10" name="Rectangle 9">
+            <a:extLst>
+              <a:ext uri="{FF2B5EF4-FFF2-40B4-BE49-F238E27FC236}">
+                <a16:creationId xmlns:a16="http://schemas.microsoft.com/office/drawing/2014/main" id="{DDACBD89-DB09-3B44-A9C6-B23799370FA8}"/>
+              </a:ext>
+            </a:extLst>
+          </p:cNvPr>
+          <p:cNvSpPr/>
+          <p:nvPr/>
+        </p:nvSpPr>
+        <p:spPr>
+          <a:xfrm>
+            <a:off x="7354957" y="4097571"/>
+            <a:ext cx="1932167" cy="1932167"/>
+          </a:xfrm>
+          <a:prstGeom prst="rect">
+            <a:avLst/>
+          </a:prstGeom>
+          <a:solidFill>
+            <a:srgbClr val="F3F3F2"/>
+          </a:solidFill>
+          <a:ln>
+            <a:solidFill>
+              <a:schemeClr val="tx1"/>
+            </a:solidFill>
+          </a:ln>
+        </p:spPr>
+        <p:style>
+          <a:lnRef idx="2">
+            <a:schemeClr val="accent1">
+              <a:shade val="50000"/>
+            </a:schemeClr>
+          </a:lnRef>
+          <a:fillRef idx="1">
+            <a:schemeClr val="accent1"/>
+          </a:fillRef>
+          <a:effectRef idx="0">
+            <a:schemeClr val="accent1"/>
+          </a:effectRef>
+          <a:fontRef idx="minor">
+            <a:schemeClr val="lt1"/>
+          </a:fontRef>
+        </p:style>
+        <p:txBody>
+          <a:bodyPr rtlCol="0" anchor="ctr"/>
+          <a:lstStyle/>
+          <a:p>
+            <a:pPr algn="ctr"/>
+            <a:r>
+              <a:rPr lang="en-US" dirty="0">
+                <a:solidFill>
+                  <a:schemeClr val="tx1"/>
+                </a:solidFill>
+              </a:rPr>
+              <a:t>El buffer </a:t>
+            </a:r>
+            <a:r>
+              <a:rPr lang="en-US" dirty="0" err="1">
+                <a:solidFill>
+                  <a:schemeClr val="tx1"/>
+                </a:solidFill>
+              </a:rPr>
+              <a:t>debe</a:t>
+            </a:r>
+            <a:r>
+              <a:rPr lang="en-US" dirty="0">
+                <a:solidFill>
+                  <a:schemeClr val="tx1"/>
+                </a:solidFill>
+              </a:rPr>
+              <a:t> </a:t>
+            </a:r>
+            <a:r>
+              <a:rPr lang="en-US" dirty="0" err="1">
+                <a:solidFill>
+                  <a:schemeClr val="tx1"/>
+                </a:solidFill>
+              </a:rPr>
+              <a:t>ser</a:t>
+            </a:r>
+            <a:r>
+              <a:rPr lang="en-US" dirty="0">
+                <a:solidFill>
+                  <a:schemeClr val="tx1"/>
+                </a:solidFill>
+              </a:rPr>
+              <a:t> </a:t>
+            </a:r>
+            <a:r>
+              <a:rPr lang="en-US" dirty="0" err="1">
+                <a:solidFill>
+                  <a:schemeClr val="tx1"/>
+                </a:solidFill>
+              </a:rPr>
+              <a:t>una</a:t>
+            </a:r>
+            <a:r>
+              <a:rPr lang="en-US" dirty="0">
+                <a:solidFill>
+                  <a:schemeClr val="tx1"/>
+                </a:solidFill>
+              </a:rPr>
+              <a:t> variable String</a:t>
+            </a:r>
+          </a:p>
+        </p:txBody>
+      </p:sp>
+    </p:spTree>
+    <p:extLst>
+      <p:ext uri="{BB962C8B-B14F-4D97-AF65-F5344CB8AC3E}">
+        <p14:creationId xmlns:p14="http://schemas.microsoft.com/office/powerpoint/2010/main" val="3129610229"/>
+      </p:ext>
+    </p:extLst>
+  </p:cSld>
+  <p:clrMapOvr>
+    <a:masterClrMapping/>
+  </p:clrMapOvr>
+</p:sld>
+</file>
+
+<file path=ppt/slides/slide4.xml><?xml version="1.0" encoding="utf-8"?>
+<p:sld xmlns:a="http://schemas.openxmlformats.org/drawingml/2006/main" xmlns:r="http://schemas.openxmlformats.org/officeDocument/2006/relationships" xmlns:p="http://schemas.openxmlformats.org/presentationml/2006/main">
+  <p:cSld>
+    <p:spTree>
+      <p:nvGrpSpPr>
+        <p:cNvPr id="1" name=""/>
+        <p:cNvGrpSpPr/>
+        <p:nvPr/>
+      </p:nvGrpSpPr>
+      <p:grpSpPr>
+        <a:xfrm>
+          <a:off x="0" y="0"/>
+          <a:ext cx="0" cy="0"/>
+          <a:chOff x="0" y="0"/>
+          <a:chExt cx="0" cy="0"/>
+        </a:xfrm>
+      </p:grpSpPr>
+      <p:sp>
+        <p:nvSpPr>
+          <p:cNvPr id="2" name="Title 1">
+            <a:extLst>
+              <a:ext uri="{FF2B5EF4-FFF2-40B4-BE49-F238E27FC236}">
+                <a16:creationId xmlns:a16="http://schemas.microsoft.com/office/drawing/2014/main" id="{ED85BD8F-1E24-C84B-89CE-979CA0C24BBD}"/>
+              </a:ext>
+            </a:extLst>
+          </p:cNvPr>
+          <p:cNvSpPr>
+            <a:spLocks noGrp="1"/>
+          </p:cNvSpPr>
+          <p:nvPr>
+            <p:ph type="title"/>
+          </p:nvPr>
+        </p:nvSpPr>
+        <p:spPr/>
+        <p:txBody>
+          <a:bodyPr/>
+          <a:lstStyle/>
+          <a:p>
+            <a:r>
+              <a:rPr lang="en-US" dirty="0"/>
+              <a:t>Trivia</a:t>
+            </a:r>
+          </a:p>
+        </p:txBody>
+      </p:sp>
+      <p:sp>
+        <p:nvSpPr>
+          <p:cNvPr id="4" name="Rectangle 3">
+            <a:extLst>
+              <a:ext uri="{FF2B5EF4-FFF2-40B4-BE49-F238E27FC236}">
+                <a16:creationId xmlns:a16="http://schemas.microsoft.com/office/drawing/2014/main" id="{58B2CF91-84BD-C945-BEE6-93E36C275C1F}"/>
+              </a:ext>
+            </a:extLst>
+          </p:cNvPr>
+          <p:cNvSpPr/>
+          <p:nvPr/>
+        </p:nvSpPr>
+        <p:spPr>
+          <a:xfrm>
+            <a:off x="1086679" y="4163833"/>
+            <a:ext cx="1932167" cy="1932167"/>
+          </a:xfrm>
+          <a:prstGeom prst="rect">
+            <a:avLst/>
+          </a:prstGeom>
+          <a:solidFill>
+            <a:srgbClr val="F3F3F2"/>
+          </a:solidFill>
+          <a:ln>
+            <a:solidFill>
+              <a:schemeClr val="tx1"/>
+            </a:solidFill>
+          </a:ln>
+        </p:spPr>
+        <p:style>
+          <a:lnRef idx="2">
+            <a:schemeClr val="accent1">
+              <a:shade val="50000"/>
+            </a:schemeClr>
+          </a:lnRef>
+          <a:fillRef idx="1">
+            <a:schemeClr val="accent1"/>
+          </a:fillRef>
+          <a:effectRef idx="0">
+            <a:schemeClr val="accent1"/>
+          </a:effectRef>
+          <a:fontRef idx="minor">
+            <a:schemeClr val="lt1"/>
+          </a:fontRef>
+        </p:style>
+        <p:txBody>
+          <a:bodyPr rtlCol="0" anchor="ctr"/>
+          <a:lstStyle/>
+          <a:p>
+            <a:pPr algn="ctr"/>
+            <a:r>
+              <a:rPr lang="en-US" dirty="0" err="1">
+                <a:solidFill>
+                  <a:schemeClr val="tx1"/>
+                </a:solidFill>
+              </a:rPr>
+              <a:t>Objeto</a:t>
+            </a:r>
+            <a:endParaRPr lang="en-US" dirty="0">
+              <a:solidFill>
+                <a:schemeClr val="tx1"/>
+              </a:solidFill>
+            </a:endParaRPr>
+          </a:p>
+        </p:txBody>
+      </p:sp>
+      <p:sp>
+        <p:nvSpPr>
+          <p:cNvPr id="7" name="TextBox 6">
+            <a:extLst>
+              <a:ext uri="{FF2B5EF4-FFF2-40B4-BE49-F238E27FC236}">
+                <a16:creationId xmlns:a16="http://schemas.microsoft.com/office/drawing/2014/main" id="{74943629-BC73-B643-A9F8-3DCBF2509ACC}"/>
+              </a:ext>
+            </a:extLst>
+          </p:cNvPr>
+          <p:cNvSpPr txBox="1"/>
+          <p:nvPr/>
+        </p:nvSpPr>
+        <p:spPr>
+          <a:xfrm>
+            <a:off x="999215" y="2211932"/>
+            <a:ext cx="4985468" cy="1477328"/>
+          </a:xfrm>
+          <a:prstGeom prst="rect">
+            <a:avLst/>
+          </a:prstGeom>
+          <a:noFill/>
+        </p:spPr>
+        <p:txBody>
+          <a:bodyPr wrap="square" rtlCol="0">
+            <a:spAutoFit/>
+          </a:bodyPr>
+          <a:lstStyle/>
+          <a:p>
+            <a:r>
+              <a:rPr lang="en-US" dirty="0"/>
+              <a:t>3. La </a:t>
+            </a:r>
+            <a:r>
+              <a:rPr lang="en-US" dirty="0" err="1"/>
+              <a:t>rama</a:t>
+            </a:r>
+            <a:endParaRPr lang="en-US" dirty="0"/>
+          </a:p>
+          <a:p>
+            <a:endParaRPr lang="en-US" dirty="0"/>
+          </a:p>
+          <a:p>
+            <a:endParaRPr lang="en-US" dirty="0"/>
+          </a:p>
+          <a:p>
+            <a:endParaRPr lang="en-US" dirty="0"/>
+          </a:p>
+          <a:p>
+            <a:r>
+              <a:rPr lang="en-US" dirty="0" err="1"/>
+              <a:t>Es</a:t>
+            </a:r>
+            <a:r>
+              <a:rPr lang="en-US" dirty="0"/>
+              <a:t> un </a:t>
+            </a:r>
+            <a:r>
+              <a:rPr lang="en-US" dirty="0" err="1"/>
+              <a:t>objeto</a:t>
+            </a:r>
+            <a:r>
+              <a:rPr lang="en-US" dirty="0"/>
+              <a:t> o </a:t>
+            </a:r>
+            <a:r>
+              <a:rPr lang="en-US" dirty="0" err="1"/>
+              <a:t>una</a:t>
+            </a:r>
+            <a:r>
+              <a:rPr lang="en-US" dirty="0"/>
+              <a:t> </a:t>
+            </a:r>
+            <a:r>
+              <a:rPr lang="en-US" dirty="0" err="1"/>
+              <a:t>lista</a:t>
+            </a:r>
+            <a:r>
+              <a:rPr lang="en-US" dirty="0"/>
+              <a:t>? </a:t>
+            </a:r>
+          </a:p>
+        </p:txBody>
+      </p:sp>
+      <p:sp>
+        <p:nvSpPr>
+          <p:cNvPr id="8" name="Rectangle 7">
+            <a:extLst>
+              <a:ext uri="{FF2B5EF4-FFF2-40B4-BE49-F238E27FC236}">
+                <a16:creationId xmlns:a16="http://schemas.microsoft.com/office/drawing/2014/main" id="{30CD0BF1-C9F4-B543-819F-ED3A00F2FD8B}"/>
+              </a:ext>
+            </a:extLst>
+          </p:cNvPr>
+          <p:cNvSpPr/>
+          <p:nvPr/>
+        </p:nvSpPr>
+        <p:spPr>
+          <a:xfrm>
+            <a:off x="999215" y="2823451"/>
+            <a:ext cx="5527482" cy="338554"/>
+          </a:xfrm>
+          <a:prstGeom prst="rect">
+            <a:avLst/>
+          </a:prstGeom>
+        </p:spPr>
+        <p:txBody>
+          <a:bodyPr wrap="square">
+            <a:spAutoFit/>
+          </a:bodyPr>
+          <a:lstStyle/>
+          <a:p>
+            <a:r>
+              <a:rPr lang="en-US" sz="1600" b="1" dirty="0" err="1">
+                <a:latin typeface="Consolas" panose="020B0609020204030204" pitchFamily="49" charset="0"/>
+                <a:cs typeface="Consolas" panose="020B0609020204030204" pitchFamily="49" charset="0"/>
+              </a:rPr>
+              <a:t>ordendiferente</a:t>
+            </a:r>
+            <a:r>
+              <a:rPr lang="en-US" sz="1600" b="1" dirty="0">
+                <a:latin typeface="Consolas" panose="020B0609020204030204" pitchFamily="49" charset="0"/>
+                <a:cs typeface="Consolas" panose="020B0609020204030204" pitchFamily="49" charset="0"/>
+              </a:rPr>
+              <a:t>/</a:t>
+            </a:r>
+            <a:r>
+              <a:rPr lang="en-US" sz="1600" b="1" dirty="0" err="1">
+                <a:latin typeface="Consolas" panose="020B0609020204030204" pitchFamily="49" charset="0"/>
+                <a:cs typeface="Consolas" panose="020B0609020204030204" pitchFamily="49" charset="0"/>
+              </a:rPr>
+              <a:t>estudiantes</a:t>
+            </a:r>
+            <a:endParaRPr lang="en-US" sz="1600" b="1" dirty="0">
+              <a:latin typeface="Consolas" panose="020B0609020204030204" pitchFamily="49" charset="0"/>
+              <a:cs typeface="Consolas" panose="020B0609020204030204" pitchFamily="49" charset="0"/>
+            </a:endParaRPr>
+          </a:p>
+        </p:txBody>
+      </p:sp>
+      <p:sp>
+        <p:nvSpPr>
+          <p:cNvPr id="9" name="Rectangle 8">
+            <a:extLst>
+              <a:ext uri="{FF2B5EF4-FFF2-40B4-BE49-F238E27FC236}">
+                <a16:creationId xmlns:a16="http://schemas.microsoft.com/office/drawing/2014/main" id="{50C8E5F0-E8B3-0443-8CF5-9DB86A27D34F}"/>
+              </a:ext>
+            </a:extLst>
+          </p:cNvPr>
+          <p:cNvSpPr/>
+          <p:nvPr/>
+        </p:nvSpPr>
+        <p:spPr>
+          <a:xfrm>
+            <a:off x="3491949" y="4163832"/>
+            <a:ext cx="1932167" cy="1932167"/>
+          </a:xfrm>
+          <a:prstGeom prst="rect">
+            <a:avLst/>
+          </a:prstGeom>
+          <a:solidFill>
+            <a:srgbClr val="F3F3F2"/>
+          </a:solidFill>
+          <a:ln>
+            <a:solidFill>
+              <a:schemeClr val="tx1"/>
+            </a:solidFill>
+          </a:ln>
+        </p:spPr>
+        <p:style>
+          <a:lnRef idx="2">
+            <a:schemeClr val="accent1">
+              <a:shade val="50000"/>
+            </a:schemeClr>
+          </a:lnRef>
+          <a:fillRef idx="1">
+            <a:schemeClr val="accent1"/>
+          </a:fillRef>
+          <a:effectRef idx="0">
+            <a:schemeClr val="accent1"/>
+          </a:effectRef>
+          <a:fontRef idx="minor">
+            <a:schemeClr val="lt1"/>
+          </a:fontRef>
+        </p:style>
+        <p:txBody>
+          <a:bodyPr rtlCol="0" anchor="ctr"/>
+          <a:lstStyle/>
+          <a:p>
+            <a:pPr algn="ctr"/>
+            <a:r>
+              <a:rPr lang="en-US" dirty="0" err="1">
+                <a:solidFill>
+                  <a:schemeClr val="tx1"/>
+                </a:solidFill>
+              </a:rPr>
+              <a:t>Lista</a:t>
+            </a:r>
+            <a:endParaRPr lang="en-US" dirty="0">
+              <a:solidFill>
+                <a:schemeClr val="tx1"/>
+              </a:solidFill>
+            </a:endParaRPr>
+          </a:p>
+        </p:txBody>
+      </p:sp>
+      <p:pic>
+        <p:nvPicPr>
+          <p:cNvPr id="5" name="Picture 4">
+            <a:extLst>
+              <a:ext uri="{FF2B5EF4-FFF2-40B4-BE49-F238E27FC236}">
+                <a16:creationId xmlns:a16="http://schemas.microsoft.com/office/drawing/2014/main" id="{C9FF5953-90C1-C04B-BAF9-4651C74CADD0}"/>
+              </a:ext>
+            </a:extLst>
+          </p:cNvPr>
+          <p:cNvPicPr>
+            <a:picLocks noChangeAspect="1"/>
+          </p:cNvPicPr>
+          <p:nvPr/>
+        </p:nvPicPr>
+        <p:blipFill>
+          <a:blip r:embed="rId2">
+            <a:extLst>
+              <a:ext uri="{28A0092B-C50C-407E-A947-70E740481C1C}">
+                <a14:useLocalDpi xmlns:a14="http://schemas.microsoft.com/office/drawing/2010/main" val="0"/>
+              </a:ext>
+            </a:extLst>
+          </a:blip>
+          <a:stretch>
+            <a:fillRect/>
+          </a:stretch>
+        </p:blipFill>
+        <p:spPr>
+          <a:xfrm>
+            <a:off x="6882215" y="286603"/>
+            <a:ext cx="4746568" cy="5924549"/>
+          </a:xfrm>
+          <a:prstGeom prst="rect">
+            <a:avLst/>
+          </a:prstGeom>
+        </p:spPr>
+      </p:pic>
+    </p:spTree>
+    <p:extLst>
+      <p:ext uri="{BB962C8B-B14F-4D97-AF65-F5344CB8AC3E}">
+        <p14:creationId xmlns:p14="http://schemas.microsoft.com/office/powerpoint/2010/main" val="901068971"/>
+      </p:ext>
+    </p:extLst>
+  </p:cSld>
+  <p:clrMapOvr>
+    <a:masterClrMapping/>
+  </p:clrMapOvr>
+</p:sld>
+</file>
+
+<file path=ppt/slides/slide5.xml><?xml version="1.0" encoding="utf-8"?>
+<p:sld xmlns:a="http://schemas.openxmlformats.org/drawingml/2006/main" xmlns:r="http://schemas.openxmlformats.org/officeDocument/2006/relationships" xmlns:p="http://schemas.openxmlformats.org/presentationml/2006/main">
+  <p:cSld>
+    <p:spTree>
+      <p:nvGrpSpPr>
+        <p:cNvPr id="1" name=""/>
+        <p:cNvGrpSpPr/>
+        <p:nvPr/>
+      </p:nvGrpSpPr>
+      <p:grpSpPr>
+        <a:xfrm>
+          <a:off x="0" y="0"/>
+          <a:ext cx="0" cy="0"/>
+          <a:chOff x="0" y="0"/>
+          <a:chExt cx="0" cy="0"/>
+        </a:xfrm>
+      </p:grpSpPr>
+      <p:sp>
+        <p:nvSpPr>
+          <p:cNvPr id="2" name="Title 1">
+            <a:extLst>
+              <a:ext uri="{FF2B5EF4-FFF2-40B4-BE49-F238E27FC236}">
+                <a16:creationId xmlns:a16="http://schemas.microsoft.com/office/drawing/2014/main" id="{ED85BD8F-1E24-C84B-89CE-979CA0C24BBD}"/>
+              </a:ext>
+            </a:extLst>
+          </p:cNvPr>
+          <p:cNvSpPr>
+            <a:spLocks noGrp="1"/>
+          </p:cNvSpPr>
+          <p:nvPr>
+            <p:ph type="title"/>
+          </p:nvPr>
+        </p:nvSpPr>
+        <p:spPr/>
+        <p:txBody>
+          <a:bodyPr/>
+          <a:lstStyle/>
+          <a:p>
+            <a:r>
+              <a:rPr lang="en-US" dirty="0"/>
+              <a:t>Trivia</a:t>
+            </a:r>
+          </a:p>
+        </p:txBody>
+      </p:sp>
+      <p:sp>
+        <p:nvSpPr>
+          <p:cNvPr id="4" name="Rectangle 3">
+            <a:extLst>
+              <a:ext uri="{FF2B5EF4-FFF2-40B4-BE49-F238E27FC236}">
+                <a16:creationId xmlns:a16="http://schemas.microsoft.com/office/drawing/2014/main" id="{58B2CF91-84BD-C945-BEE6-93E36C275C1F}"/>
+              </a:ext>
+            </a:extLst>
+          </p:cNvPr>
+          <p:cNvSpPr/>
+          <p:nvPr/>
+        </p:nvSpPr>
+        <p:spPr>
+          <a:xfrm>
+            <a:off x="1086679" y="4163833"/>
+            <a:ext cx="1932167" cy="1932167"/>
+          </a:xfrm>
+          <a:prstGeom prst="rect">
+            <a:avLst/>
+          </a:prstGeom>
+          <a:solidFill>
+            <a:srgbClr val="F3F3F2"/>
+          </a:solidFill>
+          <a:ln>
+            <a:solidFill>
+              <a:schemeClr val="tx1"/>
+            </a:solidFill>
+          </a:ln>
+        </p:spPr>
+        <p:style>
+          <a:lnRef idx="2">
+            <a:schemeClr val="accent1">
+              <a:shade val="50000"/>
+            </a:schemeClr>
+          </a:lnRef>
+          <a:fillRef idx="1">
+            <a:schemeClr val="accent1"/>
+          </a:fillRef>
+          <a:effectRef idx="0">
+            <a:schemeClr val="accent1"/>
+          </a:effectRef>
+          <a:fontRef idx="minor">
+            <a:schemeClr val="lt1"/>
+          </a:fontRef>
+        </p:style>
+        <p:txBody>
+          <a:bodyPr rtlCol="0" anchor="ctr"/>
+          <a:lstStyle/>
+          <a:p>
+            <a:pPr algn="ctr"/>
+            <a:r>
+              <a:rPr lang="en-US" dirty="0" err="1">
+                <a:solidFill>
+                  <a:schemeClr val="tx1"/>
+                </a:solidFill>
+              </a:rPr>
+              <a:t>Objeto</a:t>
+            </a:r>
+            <a:endParaRPr lang="en-US" dirty="0">
+              <a:solidFill>
+                <a:schemeClr val="tx1"/>
+              </a:solidFill>
+            </a:endParaRPr>
+          </a:p>
+        </p:txBody>
+      </p:sp>
+      <p:sp>
+        <p:nvSpPr>
+          <p:cNvPr id="7" name="TextBox 6">
+            <a:extLst>
+              <a:ext uri="{FF2B5EF4-FFF2-40B4-BE49-F238E27FC236}">
+                <a16:creationId xmlns:a16="http://schemas.microsoft.com/office/drawing/2014/main" id="{74943629-BC73-B643-A9F8-3DCBF2509ACC}"/>
+              </a:ext>
+            </a:extLst>
+          </p:cNvPr>
+          <p:cNvSpPr txBox="1"/>
+          <p:nvPr/>
+        </p:nvSpPr>
+        <p:spPr>
+          <a:xfrm>
+            <a:off x="999215" y="2211932"/>
+            <a:ext cx="4985468" cy="1477328"/>
+          </a:xfrm>
+          <a:prstGeom prst="rect">
+            <a:avLst/>
+          </a:prstGeom>
+          <a:noFill/>
+        </p:spPr>
+        <p:txBody>
+          <a:bodyPr wrap="square" rtlCol="0">
+            <a:spAutoFit/>
+          </a:bodyPr>
+          <a:lstStyle/>
+          <a:p>
+            <a:r>
+              <a:rPr lang="en-US" dirty="0"/>
+              <a:t>3. La </a:t>
+            </a:r>
+            <a:r>
+              <a:rPr lang="en-US" dirty="0" err="1"/>
+              <a:t>rama</a:t>
+            </a:r>
+            <a:endParaRPr lang="en-US" dirty="0"/>
+          </a:p>
+          <a:p>
+            <a:endParaRPr lang="en-US" dirty="0"/>
+          </a:p>
+          <a:p>
+            <a:endParaRPr lang="en-US" dirty="0"/>
+          </a:p>
+          <a:p>
+            <a:endParaRPr lang="en-US" dirty="0"/>
+          </a:p>
+          <a:p>
+            <a:r>
+              <a:rPr lang="en-US" dirty="0" err="1"/>
+              <a:t>Es</a:t>
+            </a:r>
+            <a:r>
+              <a:rPr lang="en-US" dirty="0"/>
+              <a:t> un </a:t>
+            </a:r>
+            <a:r>
+              <a:rPr lang="en-US" dirty="0" err="1"/>
+              <a:t>objeto</a:t>
+            </a:r>
+            <a:r>
+              <a:rPr lang="en-US" dirty="0"/>
+              <a:t> o </a:t>
+            </a:r>
+            <a:r>
+              <a:rPr lang="en-US" dirty="0" err="1"/>
+              <a:t>una</a:t>
+            </a:r>
+            <a:r>
+              <a:rPr lang="en-US" dirty="0"/>
+              <a:t> </a:t>
+            </a:r>
+            <a:r>
+              <a:rPr lang="en-US" dirty="0" err="1"/>
+              <a:t>lista</a:t>
+            </a:r>
+            <a:r>
+              <a:rPr lang="en-US" dirty="0"/>
+              <a:t>? </a:t>
+            </a:r>
+          </a:p>
+        </p:txBody>
+      </p:sp>
+      <p:sp>
+        <p:nvSpPr>
+          <p:cNvPr id="8" name="Rectangle 7">
+            <a:extLst>
+              <a:ext uri="{FF2B5EF4-FFF2-40B4-BE49-F238E27FC236}">
+                <a16:creationId xmlns:a16="http://schemas.microsoft.com/office/drawing/2014/main" id="{30CD0BF1-C9F4-B543-819F-ED3A00F2FD8B}"/>
+              </a:ext>
+            </a:extLst>
+          </p:cNvPr>
+          <p:cNvSpPr/>
+          <p:nvPr/>
+        </p:nvSpPr>
+        <p:spPr>
+          <a:xfrm>
+            <a:off x="999215" y="2823451"/>
+            <a:ext cx="5527482" cy="338554"/>
+          </a:xfrm>
+          <a:prstGeom prst="rect">
+            <a:avLst/>
+          </a:prstGeom>
+        </p:spPr>
+        <p:txBody>
+          <a:bodyPr wrap="square">
+            <a:spAutoFit/>
+          </a:bodyPr>
+          <a:lstStyle/>
+          <a:p>
+            <a:r>
+              <a:rPr lang="en-US" sz="1600" b="1" dirty="0" err="1">
+                <a:latin typeface="Consolas" panose="020B0609020204030204" pitchFamily="49" charset="0"/>
+                <a:cs typeface="Consolas" panose="020B0609020204030204" pitchFamily="49" charset="0"/>
+              </a:rPr>
+              <a:t>ordendiferente</a:t>
+            </a:r>
+            <a:r>
+              <a:rPr lang="en-US" sz="1600" b="1" dirty="0">
+                <a:latin typeface="Consolas" panose="020B0609020204030204" pitchFamily="49" charset="0"/>
+                <a:cs typeface="Consolas" panose="020B0609020204030204" pitchFamily="49" charset="0"/>
+              </a:rPr>
+              <a:t>/</a:t>
+            </a:r>
+            <a:r>
+              <a:rPr lang="en-US" sz="1600" b="1" dirty="0" err="1">
+                <a:latin typeface="Consolas" panose="020B0609020204030204" pitchFamily="49" charset="0"/>
+                <a:cs typeface="Consolas" panose="020B0609020204030204" pitchFamily="49" charset="0"/>
+              </a:rPr>
+              <a:t>estudiantes</a:t>
+            </a:r>
+            <a:r>
+              <a:rPr lang="en-US" sz="1600" b="1" dirty="0">
+                <a:latin typeface="Consolas" panose="020B0609020204030204" pitchFamily="49" charset="0"/>
+                <a:cs typeface="Consolas" panose="020B0609020204030204" pitchFamily="49" charset="0"/>
+              </a:rPr>
+              <a:t>/-ui78Hdas832as</a:t>
+            </a:r>
+          </a:p>
+        </p:txBody>
+      </p:sp>
+      <p:sp>
+        <p:nvSpPr>
+          <p:cNvPr id="9" name="Rectangle 8">
+            <a:extLst>
+              <a:ext uri="{FF2B5EF4-FFF2-40B4-BE49-F238E27FC236}">
+                <a16:creationId xmlns:a16="http://schemas.microsoft.com/office/drawing/2014/main" id="{50C8E5F0-E8B3-0443-8CF5-9DB86A27D34F}"/>
+              </a:ext>
+            </a:extLst>
+          </p:cNvPr>
+          <p:cNvSpPr/>
+          <p:nvPr/>
+        </p:nvSpPr>
+        <p:spPr>
+          <a:xfrm>
+            <a:off x="3491949" y="4163832"/>
+            <a:ext cx="1932167" cy="1932167"/>
+          </a:xfrm>
+          <a:prstGeom prst="rect">
+            <a:avLst/>
+          </a:prstGeom>
+          <a:solidFill>
+            <a:srgbClr val="F3F3F2"/>
+          </a:solidFill>
+          <a:ln>
+            <a:solidFill>
+              <a:schemeClr val="tx1"/>
+            </a:solidFill>
+          </a:ln>
+        </p:spPr>
+        <p:style>
+          <a:lnRef idx="2">
+            <a:schemeClr val="accent1">
+              <a:shade val="50000"/>
+            </a:schemeClr>
+          </a:lnRef>
+          <a:fillRef idx="1">
+            <a:schemeClr val="accent1"/>
+          </a:fillRef>
+          <a:effectRef idx="0">
+            <a:schemeClr val="accent1"/>
+          </a:effectRef>
+          <a:fontRef idx="minor">
+            <a:schemeClr val="lt1"/>
+          </a:fontRef>
+        </p:style>
+        <p:txBody>
+          <a:bodyPr rtlCol="0" anchor="ctr"/>
+          <a:lstStyle/>
+          <a:p>
+            <a:pPr algn="ctr"/>
+            <a:r>
+              <a:rPr lang="en-US" dirty="0" err="1">
+                <a:solidFill>
+                  <a:schemeClr val="tx1"/>
+                </a:solidFill>
+              </a:rPr>
+              <a:t>Lista</a:t>
+            </a:r>
+            <a:endParaRPr lang="en-US" dirty="0">
+              <a:solidFill>
+                <a:schemeClr val="tx1"/>
+              </a:solidFill>
+            </a:endParaRPr>
+          </a:p>
+        </p:txBody>
+      </p:sp>
+      <p:pic>
+        <p:nvPicPr>
+          <p:cNvPr id="5" name="Picture 4">
+            <a:extLst>
+              <a:ext uri="{FF2B5EF4-FFF2-40B4-BE49-F238E27FC236}">
+                <a16:creationId xmlns:a16="http://schemas.microsoft.com/office/drawing/2014/main" id="{C9FF5953-90C1-C04B-BAF9-4651C74CADD0}"/>
+              </a:ext>
+            </a:extLst>
+          </p:cNvPr>
+          <p:cNvPicPr>
+            <a:picLocks noChangeAspect="1"/>
+          </p:cNvPicPr>
+          <p:nvPr/>
+        </p:nvPicPr>
+        <p:blipFill>
+          <a:blip r:embed="rId2">
+            <a:extLst>
+              <a:ext uri="{28A0092B-C50C-407E-A947-70E740481C1C}">
+                <a14:useLocalDpi xmlns:a14="http://schemas.microsoft.com/office/drawing/2010/main" val="0"/>
+              </a:ext>
+            </a:extLst>
+          </a:blip>
+          <a:stretch>
+            <a:fillRect/>
+          </a:stretch>
+        </p:blipFill>
+        <p:spPr>
+          <a:xfrm>
+            <a:off x="6882215" y="286603"/>
+            <a:ext cx="4746568" cy="5924549"/>
+          </a:xfrm>
+          <a:prstGeom prst="rect">
+            <a:avLst/>
+          </a:prstGeom>
+        </p:spPr>
+      </p:pic>
+    </p:spTree>
+    <p:extLst>
+      <p:ext uri="{BB962C8B-B14F-4D97-AF65-F5344CB8AC3E}">
+        <p14:creationId xmlns:p14="http://schemas.microsoft.com/office/powerpoint/2010/main" val="171903215"/>
+      </p:ext>
+    </p:extLst>
+  </p:cSld>
+  <p:clrMapOvr>
+    <a:masterClrMapping/>
+  </p:clrMapOvr>
+</p:sld>
+</file>
+
+<file path=ppt/slides/slide6.xml><?xml version="1.0" encoding="utf-8"?>
+<p:sld xmlns:a="http://schemas.openxmlformats.org/drawingml/2006/main" xmlns:r="http://schemas.openxmlformats.org/officeDocument/2006/relationships" xmlns:p="http://schemas.openxmlformats.org/presentationml/2006/main">
+  <p:cSld>
+    <p:spTree>
+      <p:nvGrpSpPr>
+        <p:cNvPr id="1" name=""/>
+        <p:cNvGrpSpPr/>
+        <p:nvPr/>
+      </p:nvGrpSpPr>
+      <p:grpSpPr>
+        <a:xfrm>
+          <a:off x="0" y="0"/>
+          <a:ext cx="0" cy="0"/>
+          <a:chOff x="0" y="0"/>
+          <a:chExt cx="0" cy="0"/>
+        </a:xfrm>
+      </p:grpSpPr>
+      <p:sp>
+        <p:nvSpPr>
+          <p:cNvPr id="2" name="Title 1">
+            <a:extLst>
+              <a:ext uri="{FF2B5EF4-FFF2-40B4-BE49-F238E27FC236}">
+                <a16:creationId xmlns:a16="http://schemas.microsoft.com/office/drawing/2014/main" id="{ED85BD8F-1E24-C84B-89CE-979CA0C24BBD}"/>
+              </a:ext>
+            </a:extLst>
+          </p:cNvPr>
+          <p:cNvSpPr>
+            <a:spLocks noGrp="1"/>
+          </p:cNvSpPr>
+          <p:nvPr>
+            <p:ph type="title"/>
+          </p:nvPr>
+        </p:nvSpPr>
+        <p:spPr/>
+        <p:txBody>
+          <a:bodyPr/>
+          <a:lstStyle/>
+          <a:p>
+            <a:r>
+              <a:rPr lang="en-US" dirty="0"/>
+              <a:t>Trivia</a:t>
+            </a:r>
+          </a:p>
+        </p:txBody>
+      </p:sp>
+      <p:sp>
+        <p:nvSpPr>
+          <p:cNvPr id="4" name="Rectangle 3">
+            <a:extLst>
+              <a:ext uri="{FF2B5EF4-FFF2-40B4-BE49-F238E27FC236}">
+                <a16:creationId xmlns:a16="http://schemas.microsoft.com/office/drawing/2014/main" id="{58B2CF91-84BD-C945-BEE6-93E36C275C1F}"/>
+              </a:ext>
+            </a:extLst>
+          </p:cNvPr>
+          <p:cNvSpPr/>
+          <p:nvPr/>
+        </p:nvSpPr>
+        <p:spPr>
+          <a:xfrm>
+            <a:off x="1086679" y="4163833"/>
+            <a:ext cx="1932167" cy="1932167"/>
+          </a:xfrm>
+          <a:prstGeom prst="rect">
+            <a:avLst/>
+          </a:prstGeom>
+          <a:solidFill>
+            <a:srgbClr val="F3F3F2"/>
+          </a:solidFill>
+          <a:ln>
+            <a:solidFill>
+              <a:schemeClr val="tx1"/>
+            </a:solidFill>
+          </a:ln>
+        </p:spPr>
+        <p:style>
+          <a:lnRef idx="2">
+            <a:schemeClr val="accent1">
+              <a:shade val="50000"/>
+            </a:schemeClr>
+          </a:lnRef>
+          <a:fillRef idx="1">
+            <a:schemeClr val="accent1"/>
+          </a:fillRef>
+          <a:effectRef idx="0">
+            <a:schemeClr val="accent1"/>
+          </a:effectRef>
+          <a:fontRef idx="minor">
+            <a:schemeClr val="lt1"/>
+          </a:fontRef>
+        </p:style>
+        <p:txBody>
+          <a:bodyPr rtlCol="0" anchor="ctr"/>
+          <a:lstStyle/>
+          <a:p>
+            <a:pPr algn="ctr"/>
+            <a:r>
+              <a:rPr lang="en-US" dirty="0" err="1">
+                <a:solidFill>
+                  <a:schemeClr val="tx1"/>
+                </a:solidFill>
+              </a:rPr>
+              <a:t>Objeto</a:t>
+            </a:r>
+            <a:endParaRPr lang="en-US" dirty="0">
+              <a:solidFill>
+                <a:schemeClr val="tx1"/>
+              </a:solidFill>
+            </a:endParaRPr>
+          </a:p>
+        </p:txBody>
+      </p:sp>
+      <p:sp>
+        <p:nvSpPr>
+          <p:cNvPr id="7" name="TextBox 6">
+            <a:extLst>
+              <a:ext uri="{FF2B5EF4-FFF2-40B4-BE49-F238E27FC236}">
+                <a16:creationId xmlns:a16="http://schemas.microsoft.com/office/drawing/2014/main" id="{74943629-BC73-B643-A9F8-3DCBF2509ACC}"/>
+              </a:ext>
+            </a:extLst>
+          </p:cNvPr>
+          <p:cNvSpPr txBox="1"/>
+          <p:nvPr/>
+        </p:nvSpPr>
+        <p:spPr>
+          <a:xfrm>
+            <a:off x="999215" y="2211932"/>
+            <a:ext cx="4985468" cy="1477328"/>
+          </a:xfrm>
+          <a:prstGeom prst="rect">
+            <a:avLst/>
+          </a:prstGeom>
+          <a:noFill/>
+        </p:spPr>
+        <p:txBody>
+          <a:bodyPr wrap="square" rtlCol="0">
+            <a:spAutoFit/>
+          </a:bodyPr>
+          <a:lstStyle/>
+          <a:p>
+            <a:r>
+              <a:rPr lang="en-US" dirty="0"/>
+              <a:t>3. La </a:t>
+            </a:r>
+            <a:r>
+              <a:rPr lang="en-US" dirty="0" err="1"/>
+              <a:t>rama</a:t>
+            </a:r>
+            <a:endParaRPr lang="en-US" dirty="0"/>
+          </a:p>
+          <a:p>
+            <a:endParaRPr lang="en-US" dirty="0"/>
+          </a:p>
+          <a:p>
+            <a:endParaRPr lang="en-US" dirty="0"/>
+          </a:p>
+          <a:p>
+            <a:endParaRPr lang="en-US" dirty="0"/>
+          </a:p>
+          <a:p>
+            <a:r>
+              <a:rPr lang="en-US" dirty="0" err="1"/>
+              <a:t>Es</a:t>
+            </a:r>
+            <a:r>
+              <a:rPr lang="en-US" dirty="0"/>
+              <a:t> un </a:t>
+            </a:r>
+            <a:r>
+              <a:rPr lang="en-US" dirty="0" err="1"/>
+              <a:t>objeto</a:t>
+            </a:r>
+            <a:r>
+              <a:rPr lang="en-US" dirty="0"/>
+              <a:t> o </a:t>
+            </a:r>
+            <a:r>
+              <a:rPr lang="en-US" dirty="0" err="1"/>
+              <a:t>una</a:t>
+            </a:r>
+            <a:r>
+              <a:rPr lang="en-US" dirty="0"/>
+              <a:t> </a:t>
+            </a:r>
+            <a:r>
+              <a:rPr lang="en-US" dirty="0" err="1"/>
+              <a:t>lista</a:t>
+            </a:r>
+            <a:r>
+              <a:rPr lang="en-US" dirty="0"/>
+              <a:t>? </a:t>
+            </a:r>
+          </a:p>
+        </p:txBody>
+      </p:sp>
+      <p:sp>
+        <p:nvSpPr>
+          <p:cNvPr id="8" name="Rectangle 7">
+            <a:extLst>
+              <a:ext uri="{FF2B5EF4-FFF2-40B4-BE49-F238E27FC236}">
+                <a16:creationId xmlns:a16="http://schemas.microsoft.com/office/drawing/2014/main" id="{30CD0BF1-C9F4-B543-819F-ED3A00F2FD8B}"/>
+              </a:ext>
+            </a:extLst>
+          </p:cNvPr>
+          <p:cNvSpPr/>
+          <p:nvPr/>
+        </p:nvSpPr>
+        <p:spPr>
+          <a:xfrm>
+            <a:off x="999215" y="2823451"/>
+            <a:ext cx="5883000" cy="338554"/>
+          </a:xfrm>
+          <a:prstGeom prst="rect">
+            <a:avLst/>
+          </a:prstGeom>
+        </p:spPr>
+        <p:txBody>
+          <a:bodyPr wrap="square">
+            <a:spAutoFit/>
+          </a:bodyPr>
+          <a:lstStyle/>
+          <a:p>
+            <a:r>
+              <a:rPr lang="en-US" sz="1600" b="1" dirty="0" err="1">
+                <a:latin typeface="Consolas" panose="020B0609020204030204" pitchFamily="49" charset="0"/>
+                <a:cs typeface="Consolas" panose="020B0609020204030204" pitchFamily="49" charset="0"/>
+              </a:rPr>
+              <a:t>ordendiferente</a:t>
+            </a:r>
+            <a:r>
+              <a:rPr lang="en-US" sz="1600" b="1" dirty="0">
+                <a:latin typeface="Consolas" panose="020B0609020204030204" pitchFamily="49" charset="0"/>
+                <a:cs typeface="Consolas" panose="020B0609020204030204" pitchFamily="49" charset="0"/>
+              </a:rPr>
+              <a:t>/</a:t>
+            </a:r>
+            <a:r>
+              <a:rPr lang="en-US" sz="1600" b="1" dirty="0" err="1">
+                <a:latin typeface="Consolas" panose="020B0609020204030204" pitchFamily="49" charset="0"/>
+                <a:cs typeface="Consolas" panose="020B0609020204030204" pitchFamily="49" charset="0"/>
+              </a:rPr>
+              <a:t>estudiantes</a:t>
+            </a:r>
+            <a:r>
+              <a:rPr lang="en-US" sz="1600" b="1" dirty="0">
+                <a:latin typeface="Consolas" panose="020B0609020204030204" pitchFamily="49" charset="0"/>
+                <a:cs typeface="Consolas" panose="020B0609020204030204" pitchFamily="49" charset="0"/>
+              </a:rPr>
+              <a:t>/-ui78Hdas832as/</a:t>
+            </a:r>
+            <a:r>
+              <a:rPr lang="en-US" sz="1600" b="1" dirty="0" err="1">
+                <a:latin typeface="Consolas" panose="020B0609020204030204" pitchFamily="49" charset="0"/>
+                <a:cs typeface="Consolas" panose="020B0609020204030204" pitchFamily="49" charset="0"/>
+              </a:rPr>
+              <a:t>materias</a:t>
+            </a:r>
+            <a:endParaRPr lang="en-US" sz="1600" b="1" dirty="0">
+              <a:latin typeface="Consolas" panose="020B0609020204030204" pitchFamily="49" charset="0"/>
+              <a:cs typeface="Consolas" panose="020B0609020204030204" pitchFamily="49" charset="0"/>
+            </a:endParaRPr>
+          </a:p>
+        </p:txBody>
+      </p:sp>
+      <p:sp>
+        <p:nvSpPr>
+          <p:cNvPr id="9" name="Rectangle 8">
+            <a:extLst>
+              <a:ext uri="{FF2B5EF4-FFF2-40B4-BE49-F238E27FC236}">
+                <a16:creationId xmlns:a16="http://schemas.microsoft.com/office/drawing/2014/main" id="{50C8E5F0-E8B3-0443-8CF5-9DB86A27D34F}"/>
+              </a:ext>
+            </a:extLst>
+          </p:cNvPr>
+          <p:cNvSpPr/>
+          <p:nvPr/>
+        </p:nvSpPr>
+        <p:spPr>
+          <a:xfrm>
+            <a:off x="3491949" y="4163832"/>
+            <a:ext cx="1932167" cy="1932167"/>
+          </a:xfrm>
+          <a:prstGeom prst="rect">
+            <a:avLst/>
+          </a:prstGeom>
+          <a:solidFill>
+            <a:srgbClr val="F3F3F2"/>
+          </a:solidFill>
+          <a:ln>
+            <a:solidFill>
+              <a:schemeClr val="tx1"/>
+            </a:solidFill>
+          </a:ln>
+        </p:spPr>
+        <p:style>
+          <a:lnRef idx="2">
+            <a:schemeClr val="accent1">
+              <a:shade val="50000"/>
+            </a:schemeClr>
+          </a:lnRef>
+          <a:fillRef idx="1">
+            <a:schemeClr val="accent1"/>
+          </a:fillRef>
+          <a:effectRef idx="0">
+            <a:schemeClr val="accent1"/>
+          </a:effectRef>
+          <a:fontRef idx="minor">
+            <a:schemeClr val="lt1"/>
+          </a:fontRef>
+        </p:style>
+        <p:txBody>
+          <a:bodyPr rtlCol="0" anchor="ctr"/>
+          <a:lstStyle/>
+          <a:p>
+            <a:pPr algn="ctr"/>
+            <a:r>
+              <a:rPr lang="en-US" dirty="0" err="1">
+                <a:solidFill>
+                  <a:schemeClr val="tx1"/>
+                </a:solidFill>
+              </a:rPr>
+              <a:t>Lista</a:t>
+            </a:r>
+            <a:endParaRPr lang="en-US" dirty="0">
+              <a:solidFill>
+                <a:schemeClr val="tx1"/>
+              </a:solidFill>
+            </a:endParaRPr>
+          </a:p>
+        </p:txBody>
+      </p:sp>
+      <p:pic>
+        <p:nvPicPr>
+          <p:cNvPr id="5" name="Picture 4">
+            <a:extLst>
+              <a:ext uri="{FF2B5EF4-FFF2-40B4-BE49-F238E27FC236}">
+                <a16:creationId xmlns:a16="http://schemas.microsoft.com/office/drawing/2014/main" id="{C9FF5953-90C1-C04B-BAF9-4651C74CADD0}"/>
+              </a:ext>
+            </a:extLst>
+          </p:cNvPr>
+          <p:cNvPicPr>
+            <a:picLocks noChangeAspect="1"/>
+          </p:cNvPicPr>
+          <p:nvPr/>
+        </p:nvPicPr>
+        <p:blipFill>
+          <a:blip r:embed="rId2">
+            <a:extLst>
+              <a:ext uri="{28A0092B-C50C-407E-A947-70E740481C1C}">
+                <a14:useLocalDpi xmlns:a14="http://schemas.microsoft.com/office/drawing/2010/main" val="0"/>
+              </a:ext>
+            </a:extLst>
+          </a:blip>
+          <a:stretch>
+            <a:fillRect/>
+          </a:stretch>
+        </p:blipFill>
+        <p:spPr>
+          <a:xfrm>
+            <a:off x="6882215" y="286603"/>
+            <a:ext cx="4746568" cy="5924549"/>
+          </a:xfrm>
+          <a:prstGeom prst="rect">
+            <a:avLst/>
+          </a:prstGeom>
+        </p:spPr>
+      </p:pic>
+    </p:spTree>
+    <p:extLst>
+      <p:ext uri="{BB962C8B-B14F-4D97-AF65-F5344CB8AC3E}">
+        <p14:creationId xmlns:p14="http://schemas.microsoft.com/office/powerpoint/2010/main" val="1104994317"/>
+      </p:ext>
+    </p:extLst>
+  </p:cSld>
+  <p:clrMapOvr>
+    <a:masterClrMapping/>
+  </p:clrMapOvr>
+</p:sld>
+</file>
+
+<file path=ppt/slides/slide7.xml><?xml version="1.0" encoding="utf-8"?>
 <p:sld xmlns:a="http://schemas.openxmlformats.org/drawingml/2006/main" xmlns:r="http://schemas.openxmlformats.org/officeDocument/2006/relationships" xmlns:p="http://schemas.openxmlformats.org/presentationml/2006/main">
   <p:cSld>
     <p:spTree>
@@ -4341,7 +7792,7 @@
 </p:sld>
 </file>
 
-<file path=ppt/slides/slide3.xml><?xml version="1.0" encoding="utf-8"?>
+<file path=ppt/slides/slide8.xml><?xml version="1.0" encoding="utf-8"?>
 <p:sld xmlns:a="http://schemas.openxmlformats.org/drawingml/2006/main" xmlns:r="http://schemas.openxmlformats.org/officeDocument/2006/relationships" xmlns:p="http://schemas.openxmlformats.org/presentationml/2006/main">
   <p:cSld>
     <p:spTree>
@@ -4600,7 +8051,7 @@
 </p:sld>
 </file>
 
-<file path=ppt/slides/slide4.xml><?xml version="1.0" encoding="utf-8"?>
+<file path=ppt/slides/slide9.xml><?xml version="1.0" encoding="utf-8"?>
 <p:sld xmlns:a="http://schemas.openxmlformats.org/drawingml/2006/main" xmlns:r="http://schemas.openxmlformats.org/officeDocument/2006/relationships" xmlns:p="http://schemas.openxmlformats.org/presentationml/2006/main">
   <p:cSld>
     <p:spTree>
@@ -4906,616 +8357,6 @@
     <p:extLst>
       <p:ext uri="{BB962C8B-B14F-4D97-AF65-F5344CB8AC3E}">
         <p14:creationId xmlns:p14="http://schemas.microsoft.com/office/powerpoint/2010/main" val="3179972110"/>
-      </p:ext>
-    </p:extLst>
-  </p:cSld>
-  <p:clrMapOvr>
-    <a:masterClrMapping/>
-  </p:clrMapOvr>
-</p:sld>
-</file>
-
-<file path=ppt/slides/slide5.xml><?xml version="1.0" encoding="utf-8"?>
-<p:sld xmlns:a="http://schemas.openxmlformats.org/drawingml/2006/main" xmlns:r="http://schemas.openxmlformats.org/officeDocument/2006/relationships" xmlns:p="http://schemas.openxmlformats.org/presentationml/2006/main">
-  <p:cSld>
-    <p:spTree>
-      <p:nvGrpSpPr>
-        <p:cNvPr id="1" name=""/>
-        <p:cNvGrpSpPr/>
-        <p:nvPr/>
-      </p:nvGrpSpPr>
-      <p:grpSpPr>
-        <a:xfrm>
-          <a:off x="0" y="0"/>
-          <a:ext cx="0" cy="0"/>
-          <a:chOff x="0" y="0"/>
-          <a:chExt cx="0" cy="0"/>
-        </a:xfrm>
-      </p:grpSpPr>
-      <p:sp>
-        <p:nvSpPr>
-          <p:cNvPr id="2" name="Title 1">
-            <a:extLst>
-              <a:ext uri="{FF2B5EF4-FFF2-40B4-BE49-F238E27FC236}">
-                <a16:creationId xmlns:a16="http://schemas.microsoft.com/office/drawing/2014/main" id="{1EA2258F-3C5A-7D4E-92A9-6DA5C7A0DD22}"/>
-              </a:ext>
-            </a:extLst>
-          </p:cNvPr>
-          <p:cNvSpPr>
-            <a:spLocks noGrp="1"/>
-          </p:cNvSpPr>
-          <p:nvPr>
-            <p:ph type="title"/>
-          </p:nvPr>
-        </p:nvSpPr>
-        <p:spPr/>
-        <p:txBody>
-          <a:bodyPr/>
-          <a:lstStyle/>
-          <a:p>
-            <a:r>
-              <a:rPr lang="en-US" dirty="0"/>
-              <a:t>FIREBASE</a:t>
-            </a:r>
-          </a:p>
-        </p:txBody>
-      </p:sp>
-      <p:sp>
-        <p:nvSpPr>
-          <p:cNvPr id="3" name="Content Placeholder 2">
-            <a:extLst>
-              <a:ext uri="{FF2B5EF4-FFF2-40B4-BE49-F238E27FC236}">
-                <a16:creationId xmlns:a16="http://schemas.microsoft.com/office/drawing/2014/main" id="{03D4B33A-65FF-3645-9C50-5CE25A33814B}"/>
-              </a:ext>
-            </a:extLst>
-          </p:cNvPr>
-          <p:cNvSpPr>
-            <a:spLocks noGrp="1"/>
-          </p:cNvSpPr>
-          <p:nvPr>
-            <p:ph idx="1"/>
-          </p:nvPr>
-        </p:nvSpPr>
-        <p:spPr>
-          <a:xfrm>
-            <a:off x="1097280" y="1845734"/>
-            <a:ext cx="3421711" cy="4023360"/>
-          </a:xfrm>
-        </p:spPr>
-        <p:txBody>
-          <a:bodyPr/>
-          <a:lstStyle/>
-          <a:p>
-            <a:r>
-              <a:rPr lang="en-US" dirty="0" err="1"/>
-              <a:t>Otro</a:t>
-            </a:r>
-            <a:r>
-              <a:rPr lang="en-US" dirty="0"/>
-              <a:t> </a:t>
-            </a:r>
-            <a:r>
-              <a:rPr lang="en-US" dirty="0" err="1"/>
-              <a:t>tipo</a:t>
-            </a:r>
-            <a:r>
-              <a:rPr lang="en-US" dirty="0"/>
-              <a:t> de </a:t>
-            </a:r>
-            <a:r>
-              <a:rPr lang="en-US" dirty="0" err="1"/>
-              <a:t>organización</a:t>
-            </a:r>
-            <a:r>
-              <a:rPr lang="en-US" dirty="0"/>
-              <a:t> </a:t>
-            </a:r>
-            <a:r>
-              <a:rPr lang="en-US" dirty="0" err="1"/>
-              <a:t>es</a:t>
-            </a:r>
-            <a:r>
-              <a:rPr lang="en-US" dirty="0"/>
-              <a:t> </a:t>
-            </a:r>
-            <a:r>
-              <a:rPr lang="en-US" dirty="0" err="1"/>
-              <a:t>hacerlo</a:t>
-            </a:r>
-            <a:r>
-              <a:rPr lang="en-US" dirty="0"/>
-              <a:t> </a:t>
-            </a:r>
-            <a:r>
-              <a:rPr lang="en-US" dirty="0" err="1"/>
-              <a:t>por</a:t>
-            </a:r>
-            <a:r>
-              <a:rPr lang="en-US" dirty="0"/>
-              <a:t> </a:t>
-            </a:r>
-            <a:r>
-              <a:rPr lang="en-US" dirty="0" err="1"/>
-              <a:t>referencias</a:t>
-            </a:r>
-            <a:r>
-              <a:rPr lang="en-US" dirty="0"/>
-              <a:t>.</a:t>
-            </a:r>
-          </a:p>
-          <a:p>
-            <a:endParaRPr lang="en-US" dirty="0"/>
-          </a:p>
-          <a:p>
-            <a:r>
-              <a:rPr lang="en-US" dirty="0"/>
-              <a:t>Se </a:t>
-            </a:r>
-            <a:r>
-              <a:rPr lang="en-US" dirty="0" err="1"/>
-              <a:t>evita</a:t>
-            </a:r>
-            <a:r>
-              <a:rPr lang="en-US" dirty="0"/>
-              <a:t> </a:t>
-            </a:r>
-            <a:r>
-              <a:rPr lang="en-US" dirty="0" err="1"/>
-              <a:t>poner</a:t>
-            </a:r>
-            <a:r>
-              <a:rPr lang="en-US" dirty="0"/>
-              <a:t> </a:t>
-            </a:r>
-            <a:r>
-              <a:rPr lang="en-US" dirty="0" err="1"/>
-              <a:t>objetos</a:t>
-            </a:r>
-            <a:r>
-              <a:rPr lang="en-US" dirty="0"/>
-              <a:t> </a:t>
-            </a:r>
-            <a:r>
-              <a:rPr lang="en-US" dirty="0" err="1"/>
-              <a:t>dentro</a:t>
-            </a:r>
-            <a:r>
-              <a:rPr lang="en-US" dirty="0"/>
-              <a:t> de </a:t>
-            </a:r>
-            <a:r>
-              <a:rPr lang="en-US" dirty="0" err="1"/>
-              <a:t>otros</a:t>
-            </a:r>
-            <a:r>
-              <a:rPr lang="en-US" dirty="0"/>
-              <a:t>.</a:t>
-            </a:r>
-          </a:p>
-          <a:p>
-            <a:endParaRPr lang="en-US" dirty="0"/>
-          </a:p>
-          <a:p>
-            <a:r>
-              <a:rPr lang="en-US" dirty="0" err="1"/>
-              <a:t>En</a:t>
-            </a:r>
-            <a:r>
-              <a:rPr lang="en-US" dirty="0"/>
-              <a:t> </a:t>
-            </a:r>
-            <a:r>
-              <a:rPr lang="en-US" dirty="0" err="1"/>
-              <a:t>lugar</a:t>
-            </a:r>
-            <a:r>
-              <a:rPr lang="en-US" dirty="0"/>
-              <a:t> de </a:t>
-            </a:r>
-            <a:r>
-              <a:rPr lang="en-US" dirty="0" err="1"/>
-              <a:t>eso</a:t>
-            </a:r>
-            <a:r>
-              <a:rPr lang="en-US" dirty="0"/>
-              <a:t>, se </a:t>
-            </a:r>
-            <a:r>
-              <a:rPr lang="en-US" dirty="0" err="1"/>
-              <a:t>usan</a:t>
-            </a:r>
-            <a:r>
-              <a:rPr lang="en-US" dirty="0"/>
-              <a:t> </a:t>
-            </a:r>
-            <a:r>
-              <a:rPr lang="en-US" dirty="0" err="1"/>
-              <a:t>referencias</a:t>
-            </a:r>
-            <a:r>
-              <a:rPr lang="en-US" dirty="0"/>
-              <a:t> de </a:t>
-            </a:r>
-            <a:r>
-              <a:rPr lang="en-US" dirty="0" err="1"/>
-              <a:t>los</a:t>
-            </a:r>
-            <a:r>
-              <a:rPr lang="en-US" dirty="0"/>
-              <a:t> </a:t>
-            </a:r>
-            <a:r>
-              <a:rPr lang="en-US" dirty="0" err="1"/>
-              <a:t>objetos</a:t>
-            </a:r>
-            <a:r>
-              <a:rPr lang="en-US" dirty="0"/>
-              <a:t>.</a:t>
-            </a:r>
-          </a:p>
-          <a:p>
-            <a:endParaRPr lang="en-US" dirty="0"/>
-          </a:p>
-        </p:txBody>
-      </p:sp>
-      <p:pic>
-        <p:nvPicPr>
-          <p:cNvPr id="5" name="Imagen 7">
-            <a:extLst>
-              <a:ext uri="{FF2B5EF4-FFF2-40B4-BE49-F238E27FC236}">
-                <a16:creationId xmlns:a16="http://schemas.microsoft.com/office/drawing/2014/main" id="{84853D31-897D-244A-92AA-855E8E265BA6}"/>
-              </a:ext>
-            </a:extLst>
-          </p:cNvPr>
-          <p:cNvPicPr>
-            <a:picLocks noChangeAspect="1"/>
-          </p:cNvPicPr>
-          <p:nvPr/>
-        </p:nvPicPr>
-        <p:blipFill rotWithShape="1">
-          <a:blip r:embed="rId2"/>
-          <a:srcRect l="28333" t="24074" r="14583" b="16667"/>
-          <a:stretch/>
-        </p:blipFill>
-        <p:spPr>
-          <a:xfrm>
-            <a:off x="4930472" y="2088045"/>
-            <a:ext cx="6225208" cy="3635158"/>
-          </a:xfrm>
-          <a:prstGeom prst="rect">
-            <a:avLst/>
-          </a:prstGeom>
-        </p:spPr>
-      </p:pic>
-    </p:spTree>
-    <p:extLst>
-      <p:ext uri="{BB962C8B-B14F-4D97-AF65-F5344CB8AC3E}">
-        <p14:creationId xmlns:p14="http://schemas.microsoft.com/office/powerpoint/2010/main" val="144667595"/>
-      </p:ext>
-    </p:extLst>
-  </p:cSld>
-  <p:clrMapOvr>
-    <a:masterClrMapping/>
-  </p:clrMapOvr>
-</p:sld>
-</file>
-
-<file path=ppt/slides/slide6.xml><?xml version="1.0" encoding="utf-8"?>
-<p:sld xmlns:a="http://schemas.openxmlformats.org/drawingml/2006/main" xmlns:r="http://schemas.openxmlformats.org/officeDocument/2006/relationships" xmlns:p="http://schemas.openxmlformats.org/presentationml/2006/main">
-  <p:cSld>
-    <p:spTree>
-      <p:nvGrpSpPr>
-        <p:cNvPr id="1" name=""/>
-        <p:cNvGrpSpPr/>
-        <p:nvPr/>
-      </p:nvGrpSpPr>
-      <p:grpSpPr>
-        <a:xfrm>
-          <a:off x="0" y="0"/>
-          <a:ext cx="0" cy="0"/>
-          <a:chOff x="0" y="0"/>
-          <a:chExt cx="0" cy="0"/>
-        </a:xfrm>
-      </p:grpSpPr>
-      <p:sp>
-        <p:nvSpPr>
-          <p:cNvPr id="2" name="Title 1">
-            <a:extLst>
-              <a:ext uri="{FF2B5EF4-FFF2-40B4-BE49-F238E27FC236}">
-                <a16:creationId xmlns:a16="http://schemas.microsoft.com/office/drawing/2014/main" id="{1EA2258F-3C5A-7D4E-92A9-6DA5C7A0DD22}"/>
-              </a:ext>
-            </a:extLst>
-          </p:cNvPr>
-          <p:cNvSpPr>
-            <a:spLocks noGrp="1"/>
-          </p:cNvSpPr>
-          <p:nvPr>
-            <p:ph type="title"/>
-          </p:nvPr>
-        </p:nvSpPr>
-        <p:spPr/>
-        <p:txBody>
-          <a:bodyPr/>
-          <a:lstStyle/>
-          <a:p>
-            <a:r>
-              <a:rPr lang="en-US" dirty="0"/>
-              <a:t>FIREBASE</a:t>
-            </a:r>
-          </a:p>
-        </p:txBody>
-      </p:sp>
-      <p:sp>
-        <p:nvSpPr>
-          <p:cNvPr id="3" name="Content Placeholder 2">
-            <a:extLst>
-              <a:ext uri="{FF2B5EF4-FFF2-40B4-BE49-F238E27FC236}">
-                <a16:creationId xmlns:a16="http://schemas.microsoft.com/office/drawing/2014/main" id="{03D4B33A-65FF-3645-9C50-5CE25A33814B}"/>
-              </a:ext>
-            </a:extLst>
-          </p:cNvPr>
-          <p:cNvSpPr>
-            <a:spLocks noGrp="1"/>
-          </p:cNvSpPr>
-          <p:nvPr>
-            <p:ph idx="1"/>
-          </p:nvPr>
-        </p:nvSpPr>
-        <p:spPr>
-          <a:xfrm>
-            <a:off x="1097280" y="1845734"/>
-            <a:ext cx="3421711" cy="4023360"/>
-          </a:xfrm>
-        </p:spPr>
-        <p:txBody>
-          <a:bodyPr/>
-          <a:lstStyle/>
-          <a:p>
-            <a:r>
-              <a:rPr lang="en-US" dirty="0" err="1"/>
-              <a:t>Otro</a:t>
-            </a:r>
-            <a:r>
-              <a:rPr lang="en-US" dirty="0"/>
-              <a:t> </a:t>
-            </a:r>
-            <a:r>
-              <a:rPr lang="en-US" dirty="0" err="1"/>
-              <a:t>tipo</a:t>
-            </a:r>
-            <a:r>
-              <a:rPr lang="en-US" dirty="0"/>
-              <a:t> de </a:t>
-            </a:r>
-            <a:r>
-              <a:rPr lang="en-US" dirty="0" err="1"/>
-              <a:t>organización</a:t>
-            </a:r>
-            <a:r>
-              <a:rPr lang="en-US" dirty="0"/>
-              <a:t> </a:t>
-            </a:r>
-            <a:r>
-              <a:rPr lang="en-US" dirty="0" err="1"/>
-              <a:t>es</a:t>
-            </a:r>
-            <a:r>
-              <a:rPr lang="en-US" dirty="0"/>
-              <a:t> </a:t>
-            </a:r>
-            <a:r>
-              <a:rPr lang="en-US" dirty="0" err="1"/>
-              <a:t>hacerlo</a:t>
-            </a:r>
-            <a:r>
-              <a:rPr lang="en-US" dirty="0"/>
-              <a:t> </a:t>
-            </a:r>
-            <a:r>
-              <a:rPr lang="en-US" dirty="0" err="1"/>
-              <a:t>por</a:t>
-            </a:r>
-            <a:r>
-              <a:rPr lang="en-US" dirty="0"/>
-              <a:t> </a:t>
-            </a:r>
-            <a:r>
-              <a:rPr lang="en-US" dirty="0" err="1"/>
-              <a:t>referencias</a:t>
-            </a:r>
-            <a:r>
-              <a:rPr lang="en-US" dirty="0"/>
-              <a:t>.</a:t>
-            </a:r>
-          </a:p>
-          <a:p>
-            <a:endParaRPr lang="en-US" dirty="0"/>
-          </a:p>
-          <a:p>
-            <a:r>
-              <a:rPr lang="en-US" dirty="0"/>
-              <a:t>Se </a:t>
-            </a:r>
-            <a:r>
-              <a:rPr lang="en-US" dirty="0" err="1"/>
-              <a:t>evita</a:t>
-            </a:r>
-            <a:r>
-              <a:rPr lang="en-US" dirty="0"/>
-              <a:t> </a:t>
-            </a:r>
-            <a:r>
-              <a:rPr lang="en-US" dirty="0" err="1"/>
-              <a:t>poner</a:t>
-            </a:r>
-            <a:r>
-              <a:rPr lang="en-US" dirty="0"/>
-              <a:t> </a:t>
-            </a:r>
-            <a:r>
-              <a:rPr lang="en-US" dirty="0" err="1"/>
-              <a:t>objetos</a:t>
-            </a:r>
-            <a:r>
-              <a:rPr lang="en-US" dirty="0"/>
-              <a:t> </a:t>
-            </a:r>
-            <a:r>
-              <a:rPr lang="en-US" dirty="0" err="1"/>
-              <a:t>dentro</a:t>
-            </a:r>
-            <a:r>
-              <a:rPr lang="en-US" dirty="0"/>
-              <a:t> de </a:t>
-            </a:r>
-            <a:r>
-              <a:rPr lang="en-US" dirty="0" err="1"/>
-              <a:t>otros</a:t>
-            </a:r>
-            <a:r>
-              <a:rPr lang="en-US" dirty="0"/>
-              <a:t>.</a:t>
-            </a:r>
-          </a:p>
-          <a:p>
-            <a:endParaRPr lang="en-US" dirty="0"/>
-          </a:p>
-          <a:p>
-            <a:r>
-              <a:rPr lang="en-US" dirty="0" err="1"/>
-              <a:t>En</a:t>
-            </a:r>
-            <a:r>
-              <a:rPr lang="en-US" dirty="0"/>
-              <a:t> </a:t>
-            </a:r>
-            <a:r>
-              <a:rPr lang="en-US" dirty="0" err="1"/>
-              <a:t>lugar</a:t>
-            </a:r>
-            <a:r>
-              <a:rPr lang="en-US" dirty="0"/>
-              <a:t> de </a:t>
-            </a:r>
-            <a:r>
-              <a:rPr lang="en-US" dirty="0" err="1"/>
-              <a:t>eso</a:t>
-            </a:r>
-            <a:r>
-              <a:rPr lang="en-US" dirty="0"/>
-              <a:t>, se </a:t>
-            </a:r>
-            <a:r>
-              <a:rPr lang="en-US" dirty="0" err="1"/>
-              <a:t>usan</a:t>
-            </a:r>
-            <a:r>
-              <a:rPr lang="en-US" dirty="0"/>
-              <a:t> </a:t>
-            </a:r>
-            <a:r>
-              <a:rPr lang="en-US" dirty="0" err="1"/>
-              <a:t>referencias</a:t>
-            </a:r>
-            <a:r>
-              <a:rPr lang="en-US" dirty="0"/>
-              <a:t> de </a:t>
-            </a:r>
-            <a:r>
-              <a:rPr lang="en-US" dirty="0" err="1"/>
-              <a:t>los</a:t>
-            </a:r>
-            <a:r>
-              <a:rPr lang="en-US" dirty="0"/>
-              <a:t> </a:t>
-            </a:r>
-            <a:r>
-              <a:rPr lang="en-US" dirty="0" err="1"/>
-              <a:t>objetos</a:t>
-            </a:r>
-            <a:r>
-              <a:rPr lang="en-US" dirty="0"/>
-              <a:t>.</a:t>
-            </a:r>
-          </a:p>
-          <a:p>
-            <a:endParaRPr lang="en-US" dirty="0"/>
-          </a:p>
-          <a:p>
-            <a:endParaRPr lang="en-US" dirty="0"/>
-          </a:p>
-        </p:txBody>
-      </p:sp>
-      <p:pic>
-        <p:nvPicPr>
-          <p:cNvPr id="4" name="Picture 3">
-            <a:extLst>
-              <a:ext uri="{FF2B5EF4-FFF2-40B4-BE49-F238E27FC236}">
-                <a16:creationId xmlns:a16="http://schemas.microsoft.com/office/drawing/2014/main" id="{9FFBB33A-2962-9E4D-A96C-E1A994BD1C44}"/>
-              </a:ext>
-            </a:extLst>
-          </p:cNvPr>
-          <p:cNvPicPr>
-            <a:picLocks noChangeAspect="1"/>
-          </p:cNvPicPr>
-          <p:nvPr/>
-        </p:nvPicPr>
-        <p:blipFill>
-          <a:blip r:embed="rId2"/>
-          <a:stretch>
-            <a:fillRect/>
-          </a:stretch>
-        </p:blipFill>
-        <p:spPr>
-          <a:xfrm>
-            <a:off x="0" y="0"/>
-            <a:ext cx="12192000" cy="6858000"/>
-          </a:xfrm>
-          <a:prstGeom prst="rect">
-            <a:avLst/>
-          </a:prstGeom>
-        </p:spPr>
-      </p:pic>
-      <p:pic>
-        <p:nvPicPr>
-          <p:cNvPr id="7" name="Picture 6">
-            <a:extLst>
-              <a:ext uri="{FF2B5EF4-FFF2-40B4-BE49-F238E27FC236}">
-                <a16:creationId xmlns:a16="http://schemas.microsoft.com/office/drawing/2014/main" id="{0ECCAE00-9AD3-934C-8F76-8E4890CDF6A5}"/>
-              </a:ext>
-            </a:extLst>
-          </p:cNvPr>
-          <p:cNvPicPr>
-            <a:picLocks noChangeAspect="1"/>
-          </p:cNvPicPr>
-          <p:nvPr/>
-        </p:nvPicPr>
-        <p:blipFill>
-          <a:blip r:embed="rId3">
-            <a:extLst>
-              <a:ext uri="{28A0092B-C50C-407E-A947-70E740481C1C}">
-                <a14:useLocalDpi xmlns:a14="http://schemas.microsoft.com/office/drawing/2010/main" val="0"/>
-              </a:ext>
-            </a:extLst>
-          </a:blip>
-          <a:stretch>
-            <a:fillRect/>
-          </a:stretch>
-        </p:blipFill>
-        <p:spPr>
-          <a:xfrm>
-            <a:off x="6800321" y="159025"/>
-            <a:ext cx="4900520" cy="6116707"/>
-          </a:xfrm>
-          <a:prstGeom prst="rect">
-            <a:avLst/>
-          </a:prstGeom>
-        </p:spPr>
-      </p:pic>
-    </p:spTree>
-    <p:extLst>
-      <p:ext uri="{BB962C8B-B14F-4D97-AF65-F5344CB8AC3E}">
-        <p14:creationId xmlns:p14="http://schemas.microsoft.com/office/powerpoint/2010/main" val="1177739947"/>
       </p:ext>
     </p:extLst>
   </p:cSld>

--- a/Semana 13/PresentacionMartes.pptx
+++ b/Semana 13/PresentacionMartes.pptx
@@ -209,7 +209,7 @@
           <a:p>
             <a:fld id="{813BF6D0-7FD8-44D5-8DDD-97D9EFC2574A}" type="datetimeFigureOut">
               <a:rPr lang="es-CO" smtClean="0"/>
-              <a:t>27/04/20</a:t>
+              <a:t>28/04/20</a:t>
             </a:fld>
             <a:endParaRPr lang="es-CO"/>
           </a:p>
@@ -703,7 +703,7 @@
           <a:p>
             <a:fld id="{A1C04447-3517-4A2A-94FC-3125FA8A31F8}" type="datetimeFigureOut">
               <a:rPr lang="es-CO" smtClean="0"/>
-              <a:t>27/04/20</a:t>
+              <a:t>28/04/20</a:t>
             </a:fld>
             <a:endParaRPr lang="es-CO"/>
           </a:p>
@@ -911,7 +911,7 @@
           <a:p>
             <a:fld id="{A1C04447-3517-4A2A-94FC-3125FA8A31F8}" type="datetimeFigureOut">
               <a:rPr lang="es-CO" smtClean="0"/>
-              <a:t>27/04/20</a:t>
+              <a:t>28/04/20</a:t>
             </a:fld>
             <a:endParaRPr lang="es-CO"/>
           </a:p>
@@ -1167,7 +1167,7 @@
           <a:p>
             <a:fld id="{A1C04447-3517-4A2A-94FC-3125FA8A31F8}" type="datetimeFigureOut">
               <a:rPr lang="es-CO" smtClean="0"/>
-              <a:t>27/04/20</a:t>
+              <a:t>28/04/20</a:t>
             </a:fld>
             <a:endParaRPr lang="es-CO"/>
           </a:p>
@@ -1337,7 +1337,7 @@
           <a:p>
             <a:fld id="{A1C04447-3517-4A2A-94FC-3125FA8A31F8}" type="datetimeFigureOut">
               <a:rPr lang="es-CO" smtClean="0"/>
-              <a:t>27/04/20</a:t>
+              <a:t>28/04/20</a:t>
             </a:fld>
             <a:endParaRPr lang="es-CO"/>
           </a:p>
@@ -1680,7 +1680,7 @@
           <a:p>
             <a:fld id="{A1C04447-3517-4A2A-94FC-3125FA8A31F8}" type="datetimeFigureOut">
               <a:rPr lang="es-CO" smtClean="0"/>
-              <a:t>27/04/20</a:t>
+              <a:t>28/04/20</a:t>
             </a:fld>
             <a:endParaRPr lang="es-CO"/>
           </a:p>
@@ -1955,7 +1955,7 @@
           <a:p>
             <a:fld id="{A1C04447-3517-4A2A-94FC-3125FA8A31F8}" type="datetimeFigureOut">
               <a:rPr lang="es-CO" smtClean="0"/>
-              <a:t>27/04/20</a:t>
+              <a:t>28/04/20</a:t>
             </a:fld>
             <a:endParaRPr lang="es-CO"/>
           </a:p>
@@ -2334,7 +2334,7 @@
           <a:p>
             <a:fld id="{A1C04447-3517-4A2A-94FC-3125FA8A31F8}" type="datetimeFigureOut">
               <a:rPr lang="es-CO" smtClean="0"/>
-              <a:t>27/04/20</a:t>
+              <a:t>28/04/20</a:t>
             </a:fld>
             <a:endParaRPr lang="es-CO"/>
           </a:p>
@@ -2452,7 +2452,7 @@
           <a:p>
             <a:fld id="{A1C04447-3517-4A2A-94FC-3125FA8A31F8}" type="datetimeFigureOut">
               <a:rPr lang="es-CO" smtClean="0"/>
-              <a:t>27/04/20</a:t>
+              <a:t>28/04/20</a:t>
             </a:fld>
             <a:endParaRPr lang="es-CO"/>
           </a:p>
@@ -2623,7 +2623,7 @@
           <a:p>
             <a:fld id="{A1C04447-3517-4A2A-94FC-3125FA8A31F8}" type="datetimeFigureOut">
               <a:rPr lang="es-CO" smtClean="0"/>
-              <a:t>27/04/20</a:t>
+              <a:t>28/04/20</a:t>
             </a:fld>
             <a:endParaRPr lang="es-CO"/>
           </a:p>
@@ -2977,7 +2977,7 @@
           <a:p>
             <a:fld id="{A1C04447-3517-4A2A-94FC-3125FA8A31F8}" type="datetimeFigureOut">
               <a:rPr lang="es-CO" smtClean="0"/>
-              <a:t>27/04/20</a:t>
+              <a:t>28/04/20</a:t>
             </a:fld>
             <a:endParaRPr lang="es-CO"/>
           </a:p>
@@ -3354,7 +3354,7 @@
           <a:p>
             <a:fld id="{A1C04447-3517-4A2A-94FC-3125FA8A31F8}" type="datetimeFigureOut">
               <a:rPr lang="es-CO" smtClean="0"/>
-              <a:t>27/04/20</a:t>
+              <a:t>28/04/20</a:t>
             </a:fld>
             <a:endParaRPr lang="es-CO"/>
           </a:p>
@@ -3641,7 +3641,7 @@
           <a:p>
             <a:fld id="{A1C04447-3517-4A2A-94FC-3125FA8A31F8}" type="datetimeFigureOut">
               <a:rPr lang="es-CO" smtClean="0"/>
-              <a:t>27/04/20</a:t>
+              <a:t>28/04/20</a:t>
             </a:fld>
             <a:endParaRPr lang="es-CO"/>
           </a:p>
@@ -5898,7 +5898,7 @@
                 <a:latin typeface="Consolas" panose="020B0609020204030204" pitchFamily="49" charset="0"/>
                 <a:cs typeface="Consolas" panose="020B0609020204030204" pitchFamily="49" charset="0"/>
               </a:rPr>
-              <a:t>byte[] buff = new byte[40];</a:t>
+              <a:t>byte[] buff = new byte[10];</a:t>
             </a:r>
           </a:p>
           <a:p>
